--- a/presentations/2019-09 IG Training/HL7 Processes - Melva.pptx
+++ b/presentations/2019-09 IG Training/HL7 Processes - Melva.pptx
@@ -5,10 +5,10 @@
     <p:sldMasterId id="2147483660" r:id="rId1"/>
   </p:sldMasterIdLst>
   <p:notesMasterIdLst>
-    <p:notesMasterId r:id="rId25"/>
+    <p:notesMasterId r:id="rId27"/>
   </p:notesMasterIdLst>
   <p:handoutMasterIdLst>
-    <p:handoutMasterId r:id="rId26"/>
+    <p:handoutMasterId r:id="rId28"/>
   </p:handoutMasterIdLst>
   <p:sldIdLst>
     <p:sldId id="256" r:id="rId2"/>
@@ -18,22 +18,24 @@
     <p:sldId id="530" r:id="rId6"/>
     <p:sldId id="279" r:id="rId7"/>
     <p:sldId id="281" r:id="rId8"/>
-    <p:sldId id="280" r:id="rId9"/>
-    <p:sldId id="269" r:id="rId10"/>
-    <p:sldId id="273" r:id="rId11"/>
-    <p:sldId id="274" r:id="rId12"/>
-    <p:sldId id="270" r:id="rId13"/>
-    <p:sldId id="282" r:id="rId14"/>
-    <p:sldId id="283" r:id="rId15"/>
-    <p:sldId id="275" r:id="rId16"/>
-    <p:sldId id="287" r:id="rId17"/>
-    <p:sldId id="531" r:id="rId18"/>
-    <p:sldId id="285" r:id="rId19"/>
-    <p:sldId id="286" r:id="rId20"/>
-    <p:sldId id="284" r:id="rId21"/>
-    <p:sldId id="267" r:id="rId22"/>
-    <p:sldId id="529" r:id="rId23"/>
-    <p:sldId id="278" r:id="rId24"/>
+    <p:sldId id="532" r:id="rId9"/>
+    <p:sldId id="280" r:id="rId10"/>
+    <p:sldId id="269" r:id="rId11"/>
+    <p:sldId id="273" r:id="rId12"/>
+    <p:sldId id="274" r:id="rId13"/>
+    <p:sldId id="270" r:id="rId14"/>
+    <p:sldId id="282" r:id="rId15"/>
+    <p:sldId id="283" r:id="rId16"/>
+    <p:sldId id="275" r:id="rId17"/>
+    <p:sldId id="533" r:id="rId18"/>
+    <p:sldId id="287" r:id="rId19"/>
+    <p:sldId id="531" r:id="rId20"/>
+    <p:sldId id="285" r:id="rId21"/>
+    <p:sldId id="286" r:id="rId22"/>
+    <p:sldId id="284" r:id="rId23"/>
+    <p:sldId id="267" r:id="rId24"/>
+    <p:sldId id="529" r:id="rId25"/>
+    <p:sldId id="278" r:id="rId26"/>
   </p:sldIdLst>
   <p:sldSz cx="9144000" cy="6858000" type="screen4x3"/>
   <p:notesSz cx="6858000" cy="9144000"/>
@@ -248,7 +250,7 @@
             <a:fld id="{F976BA0D-8F11-41A0-82B4-C647E2FAE447}" type="datetimeFigureOut">
               <a:rPr lang="en-CA" smtClean="0"/>
               <a:pPr/>
-              <a:t>2019-09-09</a:t>
+              <a:t>2019-09-10</a:t>
             </a:fld>
             <a:endParaRPr lang="en-CA"/>
           </a:p>
@@ -410,7 +412,7 @@
             <a:fld id="{10B9A41D-2C14-4FD9-A8FE-469DBFAB3809}" type="datetimeFigureOut">
               <a:rPr lang="en-CA" smtClean="0"/>
               <a:pPr/>
-              <a:t>2019-09-09</a:t>
+              <a:t>2019-09-10</a:t>
             </a:fld>
             <a:endParaRPr lang="en-CA" dirty="0"/>
           </a:p>
@@ -3376,6 +3378,460 @@
           <p:cNvPr id="2" name="Title 1">
             <a:extLst>
               <a:ext uri="{FF2B5EF4-FFF2-40B4-BE49-F238E27FC236}">
+                <a16:creationId xmlns:a16="http://schemas.microsoft.com/office/drawing/2014/main" id="{073F83BB-949F-354A-A126-FD9342F10C01}"/>
+              </a:ext>
+            </a:extLst>
+          </p:cNvPr>
+          <p:cNvSpPr>
+            <a:spLocks noGrp="1"/>
+          </p:cNvSpPr>
+          <p:nvPr>
+            <p:ph type="title"/>
+          </p:nvPr>
+        </p:nvSpPr>
+        <p:spPr/>
+        <p:txBody>
+          <a:bodyPr/>
+          <a:lstStyle/>
+          <a:p>
+            <a:r>
+              <a:rPr lang="en-US" dirty="0"/>
+              <a:t>Project Scope Statements (PSS)</a:t>
+            </a:r>
+          </a:p>
+        </p:txBody>
+      </p:sp>
+      <p:sp>
+        <p:nvSpPr>
+          <p:cNvPr id="3" name="Content Placeholder 2">
+            <a:extLst>
+              <a:ext uri="{FF2B5EF4-FFF2-40B4-BE49-F238E27FC236}">
+                <a16:creationId xmlns:a16="http://schemas.microsoft.com/office/drawing/2014/main" id="{E06A7050-45D8-4A41-8CBE-B65C3E010A12}"/>
+              </a:ext>
+            </a:extLst>
+          </p:cNvPr>
+          <p:cNvSpPr>
+            <a:spLocks noGrp="1"/>
+          </p:cNvSpPr>
+          <p:nvPr>
+            <p:ph idx="1"/>
+          </p:nvPr>
+        </p:nvSpPr>
+        <p:spPr/>
+        <p:txBody>
+          <a:bodyPr/>
+          <a:lstStyle/>
+          <a:p>
+            <a:r>
+              <a:rPr lang="en-US" dirty="0"/>
+              <a:t>Project Scope Statements</a:t>
+            </a:r>
+          </a:p>
+          <a:p>
+            <a:pPr lvl="1"/>
+            <a:r>
+              <a:rPr lang="en-US" dirty="0"/>
+              <a:t>Mechanism to communicate the activity being undertaken</a:t>
+            </a:r>
+          </a:p>
+          <a:p>
+            <a:pPr lvl="1"/>
+            <a:r>
+              <a:rPr lang="en-US" dirty="0"/>
+              <a:t>Must provide sufficient information to allow inexperienced individuals to anticipate what a WG is working on and decide if they wish to become involved</a:t>
+            </a:r>
+          </a:p>
+          <a:p>
+            <a:pPr lvl="1"/>
+            <a:r>
+              <a:rPr lang="en-US" dirty="0"/>
+              <a:t>Also the mechanisms for WGs to manage the work</a:t>
+            </a:r>
+          </a:p>
+          <a:p>
+            <a:pPr lvl="1"/>
+            <a:r>
+              <a:rPr lang="en-CA" dirty="0">
+                <a:hlinkClick r:id="rId2"/>
+              </a:rPr>
+              <a:t>https://confluence.hl7.org/display/HL7/A+-+Project+Scope+Statement</a:t>
+            </a:r>
+            <a:endParaRPr lang="en-US" dirty="0"/>
+          </a:p>
+        </p:txBody>
+      </p:sp>
+      <p:sp>
+        <p:nvSpPr>
+          <p:cNvPr id="4" name="Slide Number Placeholder 3">
+            <a:extLst>
+              <a:ext uri="{FF2B5EF4-FFF2-40B4-BE49-F238E27FC236}">
+                <a16:creationId xmlns:a16="http://schemas.microsoft.com/office/drawing/2014/main" id="{2CF1DDAC-E446-1C4B-9D29-CA6B885D8C25}"/>
+              </a:ext>
+            </a:extLst>
+          </p:cNvPr>
+          <p:cNvSpPr>
+            <a:spLocks noGrp="1"/>
+          </p:cNvSpPr>
+          <p:nvPr>
+            <p:ph type="sldNum" sz="quarter" idx="11"/>
+          </p:nvPr>
+        </p:nvSpPr>
+        <p:spPr bwMode="auto">
+          <a:xfrm>
+            <a:off x="11430000" y="6477000"/>
+            <a:ext cx="330200" cy="247650"/>
+          </a:xfrm>
+          <a:prstGeom prst="rect">
+            <a:avLst/>
+          </a:prstGeom>
+          <a:noFill/>
+          <a:ln w="9525">
+            <a:noFill/>
+            <a:miter lim="800000"/>
+            <a:headEnd/>
+            <a:tailEnd/>
+          </a:ln>
+          <a:effectLst/>
+        </p:spPr>
+        <p:txBody>
+          <a:bodyPr vert="horz" wrap="square" lIns="91440" tIns="45720" rIns="91440" bIns="45720" numCol="1" anchor="b" anchorCtr="0" compatLnSpc="1">
+            <a:prstTxWarp prst="textNoShape">
+              <a:avLst/>
+            </a:prstTxWarp>
+          </a:bodyPr>
+          <a:lstStyle>
+            <a:defPPr>
+              <a:defRPr lang="en-US"/>
+            </a:defPPr>
+            <a:lvl1pPr algn="ctr" rtl="0" eaLnBrk="1" fontAlgn="base" hangingPunct="1">
+              <a:spcBef>
+                <a:spcPct val="0"/>
+              </a:spcBef>
+              <a:spcAft>
+                <a:spcPct val="0"/>
+              </a:spcAft>
+              <a:defRPr sz="800" kern="1200">
+                <a:solidFill>
+                  <a:schemeClr val="tx1"/>
+                </a:solidFill>
+                <a:latin typeface="Arial" charset="0"/>
+                <a:ea typeface="+mn-ea"/>
+                <a:cs typeface="+mn-cs"/>
+              </a:defRPr>
+            </a:lvl1pPr>
+            <a:lvl2pPr marL="457200" algn="l" rtl="0" eaLnBrk="0" fontAlgn="base" hangingPunct="0">
+              <a:spcBef>
+                <a:spcPct val="0"/>
+              </a:spcBef>
+              <a:spcAft>
+                <a:spcPct val="0"/>
+              </a:spcAft>
+              <a:defRPr kern="1200">
+                <a:solidFill>
+                  <a:schemeClr val="tx1"/>
+                </a:solidFill>
+                <a:latin typeface="Arial" charset="0"/>
+                <a:ea typeface="+mn-ea"/>
+                <a:cs typeface="+mn-cs"/>
+              </a:defRPr>
+            </a:lvl2pPr>
+            <a:lvl3pPr marL="914400" algn="l" rtl="0" eaLnBrk="0" fontAlgn="base" hangingPunct="0">
+              <a:spcBef>
+                <a:spcPct val="0"/>
+              </a:spcBef>
+              <a:spcAft>
+                <a:spcPct val="0"/>
+              </a:spcAft>
+              <a:defRPr kern="1200">
+                <a:solidFill>
+                  <a:schemeClr val="tx1"/>
+                </a:solidFill>
+                <a:latin typeface="Arial" charset="0"/>
+                <a:ea typeface="+mn-ea"/>
+                <a:cs typeface="+mn-cs"/>
+              </a:defRPr>
+            </a:lvl3pPr>
+            <a:lvl4pPr marL="1371600" algn="l" rtl="0" eaLnBrk="0" fontAlgn="base" hangingPunct="0">
+              <a:spcBef>
+                <a:spcPct val="0"/>
+              </a:spcBef>
+              <a:spcAft>
+                <a:spcPct val="0"/>
+              </a:spcAft>
+              <a:defRPr kern="1200">
+                <a:solidFill>
+                  <a:schemeClr val="tx1"/>
+                </a:solidFill>
+                <a:latin typeface="Arial" charset="0"/>
+                <a:ea typeface="+mn-ea"/>
+                <a:cs typeface="+mn-cs"/>
+              </a:defRPr>
+            </a:lvl4pPr>
+            <a:lvl5pPr marL="1828800" algn="l" rtl="0" eaLnBrk="0" fontAlgn="base" hangingPunct="0">
+              <a:spcBef>
+                <a:spcPct val="0"/>
+              </a:spcBef>
+              <a:spcAft>
+                <a:spcPct val="0"/>
+              </a:spcAft>
+              <a:defRPr kern="1200">
+                <a:solidFill>
+                  <a:schemeClr val="tx1"/>
+                </a:solidFill>
+                <a:latin typeface="Arial" charset="0"/>
+                <a:ea typeface="+mn-ea"/>
+                <a:cs typeface="+mn-cs"/>
+              </a:defRPr>
+            </a:lvl5pPr>
+            <a:lvl6pPr marL="2286000" algn="l" defTabSz="914400" rtl="0" eaLnBrk="1" latinLnBrk="0" hangingPunct="1">
+              <a:defRPr kern="1200">
+                <a:solidFill>
+                  <a:schemeClr val="tx1"/>
+                </a:solidFill>
+                <a:latin typeface="Arial" charset="0"/>
+                <a:ea typeface="+mn-ea"/>
+                <a:cs typeface="+mn-cs"/>
+              </a:defRPr>
+            </a:lvl6pPr>
+            <a:lvl7pPr marL="2743200" algn="l" defTabSz="914400" rtl="0" eaLnBrk="1" latinLnBrk="0" hangingPunct="1">
+              <a:defRPr kern="1200">
+                <a:solidFill>
+                  <a:schemeClr val="tx1"/>
+                </a:solidFill>
+                <a:latin typeface="Arial" charset="0"/>
+                <a:ea typeface="+mn-ea"/>
+                <a:cs typeface="+mn-cs"/>
+              </a:defRPr>
+            </a:lvl7pPr>
+            <a:lvl8pPr marL="3200400" algn="l" defTabSz="914400" rtl="0" eaLnBrk="1" latinLnBrk="0" hangingPunct="1">
+              <a:defRPr kern="1200">
+                <a:solidFill>
+                  <a:schemeClr val="tx1"/>
+                </a:solidFill>
+                <a:latin typeface="Arial" charset="0"/>
+                <a:ea typeface="+mn-ea"/>
+                <a:cs typeface="+mn-cs"/>
+              </a:defRPr>
+            </a:lvl8pPr>
+            <a:lvl9pPr marL="3657600" algn="l" defTabSz="914400" rtl="0" eaLnBrk="1" latinLnBrk="0" hangingPunct="1">
+              <a:defRPr kern="1200">
+                <a:solidFill>
+                  <a:schemeClr val="tx1"/>
+                </a:solidFill>
+                <a:latin typeface="Arial" charset="0"/>
+                <a:ea typeface="+mn-ea"/>
+                <a:cs typeface="+mn-cs"/>
+              </a:defRPr>
+            </a:lvl9pPr>
+          </a:lstStyle>
+          <a:p>
+            <a:fld id="{DD8FDF0E-2772-4D89-9F72-F3CB15D8B8AB}" type="slidenum">
+              <a:rPr lang="en-US" smtClean="0"/>
+              <a:pPr/>
+              <a:t>10</a:t>
+            </a:fld>
+            <a:endParaRPr lang="en-US" dirty="0"/>
+          </a:p>
+        </p:txBody>
+      </p:sp>
+      <p:sp>
+        <p:nvSpPr>
+          <p:cNvPr id="5" name="Footer Placeholder 4">
+            <a:extLst>
+              <a:ext uri="{FF2B5EF4-FFF2-40B4-BE49-F238E27FC236}">
+                <a16:creationId xmlns:a16="http://schemas.microsoft.com/office/drawing/2014/main" id="{39CA4D53-8BB5-9541-9F49-3F8F0AA55077}"/>
+              </a:ext>
+            </a:extLst>
+          </p:cNvPr>
+          <p:cNvSpPr>
+            <a:spLocks noGrp="1"/>
+          </p:cNvSpPr>
+          <p:nvPr>
+            <p:ph type="ftr" sz="quarter" idx="3"/>
+          </p:nvPr>
+        </p:nvSpPr>
+        <p:spPr>
+          <a:xfrm>
+            <a:off x="1276205" y="6477000"/>
+            <a:ext cx="6496195" cy="237150"/>
+          </a:xfrm>
+          <a:prstGeom prst="rect">
+            <a:avLst/>
+          </a:prstGeom>
+        </p:spPr>
+        <p:txBody>
+          <a:bodyPr anchor="b">
+            <a:noAutofit/>
+          </a:bodyPr>
+          <a:lstStyle>
+            <a:defPPr>
+              <a:defRPr lang="en-US"/>
+            </a:defPPr>
+            <a:lvl1pPr algn="l" rtl="0" eaLnBrk="0" fontAlgn="base" hangingPunct="0">
+              <a:spcBef>
+                <a:spcPct val="0"/>
+              </a:spcBef>
+              <a:spcAft>
+                <a:spcPct val="0"/>
+              </a:spcAft>
+              <a:defRPr sz="700" kern="1200">
+                <a:solidFill>
+                  <a:srgbClr val="747679"/>
+                </a:solidFill>
+                <a:latin typeface="Arial" charset="0"/>
+                <a:ea typeface="+mn-ea"/>
+                <a:cs typeface="+mn-cs"/>
+              </a:defRPr>
+            </a:lvl1pPr>
+            <a:lvl2pPr marL="457200" algn="l" rtl="0" eaLnBrk="0" fontAlgn="base" hangingPunct="0">
+              <a:spcBef>
+                <a:spcPct val="0"/>
+              </a:spcBef>
+              <a:spcAft>
+                <a:spcPct val="0"/>
+              </a:spcAft>
+              <a:defRPr kern="1200">
+                <a:solidFill>
+                  <a:schemeClr val="tx1"/>
+                </a:solidFill>
+                <a:latin typeface="Arial" charset="0"/>
+                <a:ea typeface="+mn-ea"/>
+                <a:cs typeface="+mn-cs"/>
+              </a:defRPr>
+            </a:lvl2pPr>
+            <a:lvl3pPr marL="914400" algn="l" rtl="0" eaLnBrk="0" fontAlgn="base" hangingPunct="0">
+              <a:spcBef>
+                <a:spcPct val="0"/>
+              </a:spcBef>
+              <a:spcAft>
+                <a:spcPct val="0"/>
+              </a:spcAft>
+              <a:defRPr kern="1200">
+                <a:solidFill>
+                  <a:schemeClr val="tx1"/>
+                </a:solidFill>
+                <a:latin typeface="Arial" charset="0"/>
+                <a:ea typeface="+mn-ea"/>
+                <a:cs typeface="+mn-cs"/>
+              </a:defRPr>
+            </a:lvl3pPr>
+            <a:lvl4pPr marL="1371600" algn="l" rtl="0" eaLnBrk="0" fontAlgn="base" hangingPunct="0">
+              <a:spcBef>
+                <a:spcPct val="0"/>
+              </a:spcBef>
+              <a:spcAft>
+                <a:spcPct val="0"/>
+              </a:spcAft>
+              <a:defRPr kern="1200">
+                <a:solidFill>
+                  <a:schemeClr val="tx1"/>
+                </a:solidFill>
+                <a:latin typeface="Arial" charset="0"/>
+                <a:ea typeface="+mn-ea"/>
+                <a:cs typeface="+mn-cs"/>
+              </a:defRPr>
+            </a:lvl4pPr>
+            <a:lvl5pPr marL="1828800" algn="l" rtl="0" eaLnBrk="0" fontAlgn="base" hangingPunct="0">
+              <a:spcBef>
+                <a:spcPct val="0"/>
+              </a:spcBef>
+              <a:spcAft>
+                <a:spcPct val="0"/>
+              </a:spcAft>
+              <a:defRPr kern="1200">
+                <a:solidFill>
+                  <a:schemeClr val="tx1"/>
+                </a:solidFill>
+                <a:latin typeface="Arial" charset="0"/>
+                <a:ea typeface="+mn-ea"/>
+                <a:cs typeface="+mn-cs"/>
+              </a:defRPr>
+            </a:lvl5pPr>
+            <a:lvl6pPr marL="2286000" algn="l" defTabSz="914400" rtl="0" eaLnBrk="1" latinLnBrk="0" hangingPunct="1">
+              <a:defRPr kern="1200">
+                <a:solidFill>
+                  <a:schemeClr val="tx1"/>
+                </a:solidFill>
+                <a:latin typeface="Arial" charset="0"/>
+                <a:ea typeface="+mn-ea"/>
+                <a:cs typeface="+mn-cs"/>
+              </a:defRPr>
+            </a:lvl6pPr>
+            <a:lvl7pPr marL="2743200" algn="l" defTabSz="914400" rtl="0" eaLnBrk="1" latinLnBrk="0" hangingPunct="1">
+              <a:defRPr kern="1200">
+                <a:solidFill>
+                  <a:schemeClr val="tx1"/>
+                </a:solidFill>
+                <a:latin typeface="Arial" charset="0"/>
+                <a:ea typeface="+mn-ea"/>
+                <a:cs typeface="+mn-cs"/>
+              </a:defRPr>
+            </a:lvl7pPr>
+            <a:lvl8pPr marL="3200400" algn="l" defTabSz="914400" rtl="0" eaLnBrk="1" latinLnBrk="0" hangingPunct="1">
+              <a:defRPr kern="1200">
+                <a:solidFill>
+                  <a:schemeClr val="tx1"/>
+                </a:solidFill>
+                <a:latin typeface="Arial" charset="0"/>
+                <a:ea typeface="+mn-ea"/>
+                <a:cs typeface="+mn-cs"/>
+              </a:defRPr>
+            </a:lvl8pPr>
+            <a:lvl9pPr marL="3657600" algn="l" defTabSz="914400" rtl="0" eaLnBrk="1" latinLnBrk="0" hangingPunct="1">
+              <a:defRPr kern="1200">
+                <a:solidFill>
+                  <a:schemeClr val="tx1"/>
+                </a:solidFill>
+                <a:latin typeface="Arial" charset="0"/>
+                <a:ea typeface="+mn-ea"/>
+                <a:cs typeface="+mn-cs"/>
+              </a:defRPr>
+            </a:lvl9pPr>
+          </a:lstStyle>
+          <a:p>
+            <a:r>
+              <a:rPr lang="en-US" kern="0"/>
+              <a:t>® Health Level Seven and HL7 are registered trademarks of Health Level Seven International, registered with the United States Patent and Trademark Office.</a:t>
+            </a:r>
+            <a:endParaRPr lang="en-US" kern="0" dirty="0"/>
+          </a:p>
+        </p:txBody>
+      </p:sp>
+    </p:spTree>
+    <p:extLst>
+      <p:ext uri="{BB962C8B-B14F-4D97-AF65-F5344CB8AC3E}">
+        <p14:creationId xmlns:p14="http://schemas.microsoft.com/office/powerpoint/2010/main" val="4279541219"/>
+      </p:ext>
+    </p:extLst>
+  </p:cSld>
+  <p:clrMapOvr>
+    <a:masterClrMapping/>
+  </p:clrMapOvr>
+</p:sld>
+</file>
+
+<file path=ppt/slides/slide11.xml><?xml version="1.0" encoding="utf-8"?>
+<p:sld xmlns:a="http://schemas.openxmlformats.org/drawingml/2006/main" xmlns:r="http://schemas.openxmlformats.org/officeDocument/2006/relationships" xmlns:p="http://schemas.openxmlformats.org/presentationml/2006/main">
+  <p:cSld>
+    <p:spTree>
+      <p:nvGrpSpPr>
+        <p:cNvPr id="1" name=""/>
+        <p:cNvGrpSpPr/>
+        <p:nvPr/>
+      </p:nvGrpSpPr>
+      <p:grpSpPr>
+        <a:xfrm>
+          <a:off x="0" y="0"/>
+          <a:ext cx="0" cy="0"/>
+          <a:chOff x="0" y="0"/>
+          <a:chExt cx="0" cy="0"/>
+        </a:xfrm>
+      </p:grpSpPr>
+      <p:sp>
+        <p:nvSpPr>
+          <p:cNvPr id="2" name="Title 1">
+            <a:extLst>
+              <a:ext uri="{FF2B5EF4-FFF2-40B4-BE49-F238E27FC236}">
                 <a16:creationId xmlns:a16="http://schemas.microsoft.com/office/drawing/2014/main" id="{4ECC74E0-FC75-334D-9238-334824AD932C}"/>
               </a:ext>
             </a:extLst>
@@ -3629,7 +4085,7 @@
             <a:fld id="{DD8FDF0E-2772-4D89-9F72-F3CB15D8B8AB}" type="slidenum">
               <a:rPr lang="en-US" smtClean="0"/>
               <a:pPr/>
-              <a:t>10</a:t>
+              <a:t>11</a:t>
             </a:fld>
             <a:endParaRPr lang="en-US" dirty="0"/>
           </a:p>
@@ -3847,7 +4303,7 @@
 </p:sld>
 </file>
 
-<file path=ppt/slides/slide11.xml><?xml version="1.0" encoding="utf-8"?>
+<file path=ppt/slides/slide12.xml><?xml version="1.0" encoding="utf-8"?>
 <p:sld xmlns:a="http://schemas.openxmlformats.org/drawingml/2006/main" xmlns:r="http://schemas.openxmlformats.org/officeDocument/2006/relationships" xmlns:p="http://schemas.openxmlformats.org/presentationml/2006/main">
   <p:cSld>
     <p:spTree>
@@ -4222,7 +4678,7 @@
             <a:fld id="{DD8FDF0E-2772-4D89-9F72-F3CB15D8B8AB}" type="slidenum">
               <a:rPr lang="en-US" smtClean="0"/>
               <a:pPr/>
-              <a:t>11</a:t>
+              <a:t>12</a:t>
             </a:fld>
             <a:endParaRPr lang="en-US" dirty="0"/>
           </a:p>
@@ -4404,7 +4860,7 @@
 </p:sld>
 </file>
 
-<file path=ppt/slides/slide12.xml><?xml version="1.0" encoding="utf-8"?>
+<file path=ppt/slides/slide13.xml><?xml version="1.0" encoding="utf-8"?>
 <p:sld xmlns:a="http://schemas.openxmlformats.org/drawingml/2006/main" xmlns:r="http://schemas.openxmlformats.org/officeDocument/2006/relationships" xmlns:p="http://schemas.openxmlformats.org/presentationml/2006/main">
   <p:cSld>
     <p:spTree>
@@ -4673,7 +5129,7 @@
             <a:fld id="{DD8FDF0E-2772-4D89-9F72-F3CB15D8B8AB}" type="slidenum">
               <a:rPr lang="en-US" smtClean="0"/>
               <a:pPr/>
-              <a:t>12</a:t>
+              <a:t>13</a:t>
             </a:fld>
             <a:endParaRPr lang="en-US" dirty="0"/>
           </a:p>
@@ -4855,7 +5311,7 @@
 </p:sld>
 </file>
 
-<file path=ppt/slides/slide13.xml><?xml version="1.0" encoding="utf-8"?>
+<file path=ppt/slides/slide14.xml><?xml version="1.0" encoding="utf-8"?>
 <p:sld xmlns:a="http://schemas.openxmlformats.org/drawingml/2006/main" xmlns:r="http://schemas.openxmlformats.org/officeDocument/2006/relationships" xmlns:p="http://schemas.openxmlformats.org/presentationml/2006/main">
   <p:cSld>
     <p:spTree>
@@ -5134,7 +5590,7 @@
             <a:fld id="{DD8FDF0E-2772-4D89-9F72-F3CB15D8B8AB}" type="slidenum">
               <a:rPr lang="en-US" smtClean="0"/>
               <a:pPr/>
-              <a:t>13</a:t>
+              <a:t>14</a:t>
             </a:fld>
             <a:endParaRPr lang="en-US" dirty="0"/>
           </a:p>
@@ -5316,7 +5772,7 @@
 </p:sld>
 </file>
 
-<file path=ppt/slides/slide14.xml><?xml version="1.0" encoding="utf-8"?>
+<file path=ppt/slides/slide15.xml><?xml version="1.0" encoding="utf-8"?>
 <p:sld xmlns:a="http://schemas.openxmlformats.org/drawingml/2006/main" xmlns:r="http://schemas.openxmlformats.org/officeDocument/2006/relationships" xmlns:p="http://schemas.openxmlformats.org/presentationml/2006/main">
   <p:cSld>
     <p:spTree>
@@ -5619,7 +6075,7 @@
             <a:fld id="{DD8FDF0E-2772-4D89-9F72-F3CB15D8B8AB}" type="slidenum">
               <a:rPr lang="en-US" smtClean="0"/>
               <a:pPr/>
-              <a:t>14</a:t>
+              <a:t>15</a:t>
             </a:fld>
             <a:endParaRPr lang="en-US" dirty="0"/>
           </a:p>
@@ -5801,7 +6257,7 @@
 </p:sld>
 </file>
 
-<file path=ppt/slides/slide15.xml><?xml version="1.0" encoding="utf-8"?>
+<file path=ppt/slides/slide16.xml><?xml version="1.0" encoding="utf-8"?>
 <p:sld xmlns:a="http://schemas.openxmlformats.org/drawingml/2006/main" xmlns:r="http://schemas.openxmlformats.org/officeDocument/2006/relationships" xmlns:p="http://schemas.openxmlformats.org/presentationml/2006/main">
   <p:cSld>
     <p:spTree>
@@ -5864,17 +6320,23 @@
         </p:nvSpPr>
         <p:spPr>
           <a:xfrm>
-            <a:off x="514350" y="2228850"/>
-            <a:ext cx="8382000" cy="3252378"/>
+            <a:off x="343069" y="1711443"/>
+            <a:ext cx="8382000" cy="4320480"/>
           </a:xfrm>
         </p:spPr>
         <p:txBody>
           <a:bodyPr>
-            <a:normAutofit fontScale="55000" lnSpcReduction="20000"/>
+            <a:normAutofit fontScale="92500"/>
           </a:bodyPr>
           <a:lstStyle/>
           <a:p>
             <a:r>
+              <a:rPr lang="en-CA" dirty="0"/>
+              <a:t>Content of IG must be at FMM level 2 (if publishing as STU) or FMM level 5 (Normative) prior to submission of publication request (or exception has been received from FMG</a:t>
+            </a:r>
+          </a:p>
+          <a:p>
+            <a:r>
               <a:rPr lang="en-US" dirty="0"/>
               <a:t>Ballot reconciliation for previous ballot</a:t>
             </a:r>
@@ -5895,61 +6357,6 @@
             <a:r>
               <a:rPr lang="en-CA" dirty="0"/>
               <a:t>2019-12-08</a:t>
-            </a:r>
-          </a:p>
-          <a:p>
-            <a:r>
-              <a:rPr lang="en-CA" dirty="0"/>
-              <a:t>FHIR QA deadline – 2 weeks before final content deadline</a:t>
-            </a:r>
-          </a:p>
-          <a:p>
-            <a:pPr lvl="2"/>
-            <a:r>
-              <a:rPr lang="en-CA" dirty="0"/>
-              <a:t>The IG must be totally complete</a:t>
-            </a:r>
-          </a:p>
-          <a:p>
-            <a:pPr lvl="2"/>
-            <a:r>
-              <a:rPr lang="en-CA" dirty="0"/>
-              <a:t>Sponsoring WG must approve content </a:t>
-            </a:r>
-          </a:p>
-          <a:p>
-            <a:pPr lvl="3"/>
-            <a:r>
-              <a:rPr lang="en-CA" dirty="0"/>
-              <a:t>may identify quality issues with it that can then be fixed</a:t>
-            </a:r>
-          </a:p>
-          <a:p>
-            <a:pPr lvl="2"/>
-            <a:r>
-              <a:rPr lang="en-CA" dirty="0"/>
-              <a:t>FMG approval</a:t>
-            </a:r>
-          </a:p>
-          <a:p>
-            <a:pPr lvl="3"/>
-            <a:r>
-              <a:rPr lang="en-CA" dirty="0"/>
-              <a:t>May be reviewed by the FMG who will check that it is "sufficiently complete to be ready for ballot" - which for STU means that it looks fully implementable and that there aren't missing pieces. </a:t>
-            </a:r>
-          </a:p>
-          <a:p>
-            <a:pPr lvl="2"/>
-            <a:r>
-              <a:rPr lang="en-CA" dirty="0"/>
-              <a:t>It's not kosher to have the IG 'mostly' complete and expect to fix outstanding issues during the QA period. </a:t>
-            </a:r>
-          </a:p>
-          <a:p>
-            <a:pPr lvl="2"/>
-            <a:r>
-              <a:rPr lang="en-CA" dirty="0"/>
-              <a:t>If the IG author wishes, they can approach the relevant work group(s) and see if they're willing to accept a shorter review period. The shortest possible review period permitted would be start in one week. If all relevant work groups accept a later date, the QA deadline becomes the earliest of the deadlines the work group(s) accept or one week from this deadline.</a:t>
             </a:r>
           </a:p>
         </p:txBody>
@@ -6122,7 +6529,7 @@
             <a:fld id="{DD8FDF0E-2772-4D89-9F72-F3CB15D8B8AB}" type="slidenum">
               <a:rPr lang="en-US" smtClean="0"/>
               <a:pPr/>
-              <a:t>15</a:t>
+              <a:t>16</a:t>
             </a:fld>
             <a:endParaRPr lang="en-US" dirty="0"/>
           </a:p>
@@ -6304,7 +6711,180 @@
 </p:sld>
 </file>
 
-<file path=ppt/slides/slide16.xml><?xml version="1.0" encoding="utf-8"?>
+<file path=ppt/slides/slide17.xml><?xml version="1.0" encoding="utf-8"?>
+<p:sld xmlns:a="http://schemas.openxmlformats.org/drawingml/2006/main" xmlns:r="http://schemas.openxmlformats.org/officeDocument/2006/relationships" xmlns:p="http://schemas.openxmlformats.org/presentationml/2006/main">
+  <p:cSld>
+    <p:spTree>
+      <p:nvGrpSpPr>
+        <p:cNvPr id="1" name=""/>
+        <p:cNvGrpSpPr/>
+        <p:nvPr/>
+      </p:nvGrpSpPr>
+      <p:grpSpPr>
+        <a:xfrm>
+          <a:off x="0" y="0"/>
+          <a:ext cx="0" cy="0"/>
+          <a:chOff x="0" y="0"/>
+          <a:chExt cx="0" cy="0"/>
+        </a:xfrm>
+      </p:grpSpPr>
+      <p:sp>
+        <p:nvSpPr>
+          <p:cNvPr id="2" name="Title 1">
+            <a:extLst>
+              <a:ext uri="{FF2B5EF4-FFF2-40B4-BE49-F238E27FC236}">
+                <a16:creationId xmlns:a16="http://schemas.microsoft.com/office/drawing/2014/main" id="{BE21B092-76A5-1B4A-833F-AED84FC66539}"/>
+              </a:ext>
+            </a:extLst>
+          </p:cNvPr>
+          <p:cNvSpPr>
+            <a:spLocks noGrp="1"/>
+          </p:cNvSpPr>
+          <p:nvPr>
+            <p:ph type="title"/>
+          </p:nvPr>
+        </p:nvSpPr>
+        <p:spPr/>
+        <p:txBody>
+          <a:bodyPr/>
+          <a:lstStyle/>
+          <a:p>
+            <a:r>
+              <a:rPr lang="en-US"/>
+              <a:t>Ballot/Publication Readiness Checklist</a:t>
+            </a:r>
+          </a:p>
+        </p:txBody>
+      </p:sp>
+      <p:sp>
+        <p:nvSpPr>
+          <p:cNvPr id="3" name="Content Placeholder 2">
+            <a:extLst>
+              <a:ext uri="{FF2B5EF4-FFF2-40B4-BE49-F238E27FC236}">
+                <a16:creationId xmlns:a16="http://schemas.microsoft.com/office/drawing/2014/main" id="{01B3DA7B-859B-DB47-96E3-F6295B615B86}"/>
+              </a:ext>
+            </a:extLst>
+          </p:cNvPr>
+          <p:cNvSpPr>
+            <a:spLocks noGrp="1"/>
+          </p:cNvSpPr>
+          <p:nvPr>
+            <p:ph idx="1"/>
+          </p:nvPr>
+        </p:nvSpPr>
+        <p:spPr/>
+        <p:txBody>
+          <a:bodyPr>
+            <a:normAutofit fontScale="77500" lnSpcReduction="20000"/>
+          </a:bodyPr>
+          <a:lstStyle/>
+          <a:p>
+            <a:r>
+              <a:rPr lang="en-CA" dirty="0"/>
+              <a:t>FHIR QA deadline – 2 weeks before final content deadline</a:t>
+            </a:r>
+          </a:p>
+          <a:p>
+            <a:pPr lvl="1"/>
+            <a:r>
+              <a:rPr lang="en-CA" dirty="0"/>
+              <a:t>The IG must be totally complete</a:t>
+            </a:r>
+          </a:p>
+          <a:p>
+            <a:pPr lvl="1"/>
+            <a:r>
+              <a:rPr lang="en-CA" dirty="0"/>
+              <a:t>Sponsoring WG must approve content </a:t>
+            </a:r>
+          </a:p>
+          <a:p>
+            <a:pPr lvl="2"/>
+            <a:r>
+              <a:rPr lang="en-CA" dirty="0"/>
+              <a:t>may identify quality issues with it that can then be fixed</a:t>
+            </a:r>
+          </a:p>
+          <a:p>
+            <a:pPr lvl="1"/>
+            <a:r>
+              <a:rPr lang="en-CA" dirty="0"/>
+              <a:t>FMG approval</a:t>
+            </a:r>
+          </a:p>
+          <a:p>
+            <a:pPr lvl="2"/>
+            <a:r>
+              <a:rPr lang="en-CA" dirty="0"/>
+              <a:t>May be reviewed by the FMG who will check that it is "sufficiently complete to be ready for ballot" - which for STU means that it looks fully implementable and that there aren't missing pieces. </a:t>
+            </a:r>
+          </a:p>
+          <a:p>
+            <a:pPr lvl="1"/>
+            <a:r>
+              <a:rPr lang="en-CA" dirty="0"/>
+              <a:t>It's not kosher to have the IG 'mostly' complete and expect to fix outstanding issues during the QA period. </a:t>
+            </a:r>
+          </a:p>
+          <a:p>
+            <a:pPr lvl="1"/>
+            <a:r>
+              <a:rPr lang="en-CA" dirty="0"/>
+              <a:t>If the IG author wishes, they can approach the relevant work group(s) and see if they're willing to accept a shorter review period. The shortest possible review period permitted would be start in one week. If all relevant work groups accept a later date, the QA deadline becomes the earliest of the deadlines the work group(s) accept or one week from this deadline.</a:t>
+            </a:r>
+          </a:p>
+          <a:p>
+            <a:pPr marL="0" indent="0">
+              <a:buNone/>
+            </a:pPr>
+            <a:endParaRPr lang="en-US" dirty="0"/>
+          </a:p>
+        </p:txBody>
+      </p:sp>
+      <p:sp>
+        <p:nvSpPr>
+          <p:cNvPr id="4" name="Slide Number Placeholder 3">
+            <a:extLst>
+              <a:ext uri="{FF2B5EF4-FFF2-40B4-BE49-F238E27FC236}">
+                <a16:creationId xmlns:a16="http://schemas.microsoft.com/office/drawing/2014/main" id="{303B491B-2C75-154D-84C6-33075DCB3C63}"/>
+              </a:ext>
+            </a:extLst>
+          </p:cNvPr>
+          <p:cNvSpPr>
+            <a:spLocks noGrp="1"/>
+          </p:cNvSpPr>
+          <p:nvPr>
+            <p:ph type="sldNum" sz="quarter" idx="4"/>
+          </p:nvPr>
+        </p:nvSpPr>
+        <p:spPr/>
+        <p:txBody>
+          <a:bodyPr/>
+          <a:lstStyle/>
+          <a:p>
+            <a:fld id="{5CC3E5C4-3E2B-40F1-9F2B-C46CEB0C88DF}" type="slidenum">
+              <a:rPr lang="en-CA" smtClean="0"/>
+              <a:pPr/>
+              <a:t>17</a:t>
+            </a:fld>
+            <a:endParaRPr lang="en-CA" dirty="0"/>
+          </a:p>
+        </p:txBody>
+      </p:sp>
+    </p:spTree>
+    <p:extLst>
+      <p:ext uri="{BB962C8B-B14F-4D97-AF65-F5344CB8AC3E}">
+        <p14:creationId xmlns:p14="http://schemas.microsoft.com/office/powerpoint/2010/main" val="3764037050"/>
+      </p:ext>
+    </p:extLst>
+  </p:cSld>
+  <p:clrMapOvr>
+    <a:masterClrMapping/>
+  </p:clrMapOvr>
+</p:sld>
+</file>
+
+<file path=ppt/slides/slide18.xml><?xml version="1.0" encoding="utf-8"?>
 <p:sld xmlns:a="http://schemas.openxmlformats.org/drawingml/2006/main" xmlns:r="http://schemas.openxmlformats.org/officeDocument/2006/relationships" xmlns:p="http://schemas.openxmlformats.org/presentationml/2006/main">
   <p:cSld>
     <p:spTree>
@@ -6577,7 +7157,7 @@
             <a:fld id="{DD8FDF0E-2772-4D89-9F72-F3CB15D8B8AB}" type="slidenum">
               <a:rPr lang="en-US" smtClean="0"/>
               <a:pPr/>
-              <a:t>16</a:t>
+              <a:t>18</a:t>
             </a:fld>
             <a:endParaRPr lang="en-US" dirty="0"/>
           </a:p>
@@ -6759,7 +7339,7 @@
 </p:sld>
 </file>
 
-<file path=ppt/slides/slide17.xml><?xml version="1.0" encoding="utf-8"?>
+<file path=ppt/slides/slide19.xml><?xml version="1.0" encoding="utf-8"?>
 <p:sld xmlns:a="http://schemas.openxmlformats.org/drawingml/2006/main" xmlns:r="http://schemas.openxmlformats.org/officeDocument/2006/relationships" xmlns:p="http://schemas.openxmlformats.org/presentationml/2006/main">
   <p:cSld>
     <p:spTree>
@@ -6899,7 +7479,7 @@
             <a:fld id="{5CC3E5C4-3E2B-40F1-9F2B-C46CEB0C88DF}" type="slidenum">
               <a:rPr lang="en-CA" smtClean="0"/>
               <a:pPr/>
-              <a:t>17</a:t>
+              <a:t>19</a:t>
             </a:fld>
             <a:endParaRPr lang="en-CA" dirty="0"/>
           </a:p>
@@ -6918,7 +7498,459 @@
 </p:sld>
 </file>
 
-<file path=ppt/slides/slide18.xml><?xml version="1.0" encoding="utf-8"?>
+<file path=ppt/slides/slide2.xml><?xml version="1.0" encoding="utf-8"?>
+<p:sld xmlns:a="http://schemas.openxmlformats.org/drawingml/2006/main" xmlns:r="http://schemas.openxmlformats.org/officeDocument/2006/relationships" xmlns:p="http://schemas.openxmlformats.org/presentationml/2006/main">
+  <p:cSld>
+    <p:spTree>
+      <p:nvGrpSpPr>
+        <p:cNvPr id="1" name=""/>
+        <p:cNvGrpSpPr/>
+        <p:nvPr/>
+      </p:nvGrpSpPr>
+      <p:grpSpPr>
+        <a:xfrm>
+          <a:off x="0" y="0"/>
+          <a:ext cx="0" cy="0"/>
+          <a:chOff x="0" y="0"/>
+          <a:chExt cx="0" cy="0"/>
+        </a:xfrm>
+      </p:grpSpPr>
+      <p:sp>
+        <p:nvSpPr>
+          <p:cNvPr id="2" name="Title 1">
+            <a:extLst>
+              <a:ext uri="{FF2B5EF4-FFF2-40B4-BE49-F238E27FC236}">
+                <a16:creationId xmlns:a16="http://schemas.microsoft.com/office/drawing/2014/main" id="{0D88EDBB-7D0C-324F-9D92-379210AC4922}"/>
+              </a:ext>
+            </a:extLst>
+          </p:cNvPr>
+          <p:cNvSpPr>
+            <a:spLocks noGrp="1"/>
+          </p:cNvSpPr>
+          <p:nvPr>
+            <p:ph type="title"/>
+          </p:nvPr>
+        </p:nvSpPr>
+        <p:spPr/>
+        <p:txBody>
+          <a:bodyPr/>
+          <a:lstStyle/>
+          <a:p>
+            <a:r>
+              <a:rPr lang="en-US" dirty="0"/>
+              <a:t>Topics</a:t>
+            </a:r>
+          </a:p>
+        </p:txBody>
+      </p:sp>
+      <p:sp>
+        <p:nvSpPr>
+          <p:cNvPr id="3" name="Content Placeholder 2">
+            <a:extLst>
+              <a:ext uri="{FF2B5EF4-FFF2-40B4-BE49-F238E27FC236}">
+                <a16:creationId xmlns:a16="http://schemas.microsoft.com/office/drawing/2014/main" id="{E7F517F1-7967-994A-92E7-0B56C37FB28C}"/>
+              </a:ext>
+            </a:extLst>
+          </p:cNvPr>
+          <p:cNvSpPr>
+            <a:spLocks noGrp="1"/>
+          </p:cNvSpPr>
+          <p:nvPr>
+            <p:ph idx="1"/>
+          </p:nvPr>
+        </p:nvSpPr>
+        <p:spPr/>
+        <p:txBody>
+          <a:bodyPr/>
+          <a:lstStyle/>
+          <a:p>
+            <a:r>
+              <a:rPr lang="en-CA" dirty="0"/>
+              <a:t>Project Scope Statement (PSS)</a:t>
+            </a:r>
+          </a:p>
+          <a:p>
+            <a:r>
+              <a:rPr lang="en-CA" dirty="0"/>
+              <a:t>Implementation Guide proposals</a:t>
+            </a:r>
+          </a:p>
+          <a:p>
+            <a:r>
+              <a:rPr lang="en-CA" dirty="0"/>
+              <a:t>Publication checklist</a:t>
+            </a:r>
+          </a:p>
+          <a:p>
+            <a:r>
+              <a:rPr lang="en-CA" dirty="0"/>
+              <a:t>Using </a:t>
+            </a:r>
+            <a:r>
+              <a:rPr lang="en-CA" dirty="0" err="1"/>
+              <a:t>Zulip</a:t>
+            </a:r>
+            <a:r>
+              <a:rPr lang="en-CA" dirty="0"/>
+              <a:t> and WG Calls</a:t>
+            </a:r>
+          </a:p>
+          <a:p>
+            <a:endParaRPr lang="en-US" dirty="0"/>
+          </a:p>
+        </p:txBody>
+      </p:sp>
+      <p:sp>
+        <p:nvSpPr>
+          <p:cNvPr id="4" name="Slide Number Placeholder 3">
+            <a:extLst>
+              <a:ext uri="{FF2B5EF4-FFF2-40B4-BE49-F238E27FC236}">
+                <a16:creationId xmlns:a16="http://schemas.microsoft.com/office/drawing/2014/main" id="{148F01F4-70BE-9649-90AF-04E5EF18BC10}"/>
+              </a:ext>
+            </a:extLst>
+          </p:cNvPr>
+          <p:cNvSpPr>
+            <a:spLocks noGrp="1"/>
+          </p:cNvSpPr>
+          <p:nvPr>
+            <p:ph type="sldNum" sz="quarter" idx="11"/>
+          </p:nvPr>
+        </p:nvSpPr>
+        <p:spPr bwMode="auto">
+          <a:xfrm>
+            <a:off x="11430000" y="6477000"/>
+            <a:ext cx="330200" cy="247650"/>
+          </a:xfrm>
+          <a:prstGeom prst="rect">
+            <a:avLst/>
+          </a:prstGeom>
+          <a:noFill/>
+          <a:ln w="9525">
+            <a:noFill/>
+            <a:miter lim="800000"/>
+            <a:headEnd/>
+            <a:tailEnd/>
+          </a:ln>
+          <a:effectLst/>
+        </p:spPr>
+        <p:txBody>
+          <a:bodyPr vert="horz" wrap="square" lIns="91440" tIns="45720" rIns="91440" bIns="45720" numCol="1" anchor="b" anchorCtr="0" compatLnSpc="1">
+            <a:prstTxWarp prst="textNoShape">
+              <a:avLst/>
+            </a:prstTxWarp>
+          </a:bodyPr>
+          <a:lstStyle>
+            <a:defPPr>
+              <a:defRPr lang="en-US"/>
+            </a:defPPr>
+            <a:lvl1pPr algn="ctr" rtl="0" eaLnBrk="1" fontAlgn="base" hangingPunct="1">
+              <a:spcBef>
+                <a:spcPct val="0"/>
+              </a:spcBef>
+              <a:spcAft>
+                <a:spcPct val="0"/>
+              </a:spcAft>
+              <a:defRPr sz="800" kern="1200">
+                <a:solidFill>
+                  <a:schemeClr val="tx1"/>
+                </a:solidFill>
+                <a:latin typeface="Arial" charset="0"/>
+                <a:ea typeface="+mn-ea"/>
+                <a:cs typeface="+mn-cs"/>
+              </a:defRPr>
+            </a:lvl1pPr>
+            <a:lvl2pPr marL="457200" algn="l" rtl="0" eaLnBrk="0" fontAlgn="base" hangingPunct="0">
+              <a:spcBef>
+                <a:spcPct val="0"/>
+              </a:spcBef>
+              <a:spcAft>
+                <a:spcPct val="0"/>
+              </a:spcAft>
+              <a:defRPr kern="1200">
+                <a:solidFill>
+                  <a:schemeClr val="tx1"/>
+                </a:solidFill>
+                <a:latin typeface="Arial" charset="0"/>
+                <a:ea typeface="+mn-ea"/>
+                <a:cs typeface="+mn-cs"/>
+              </a:defRPr>
+            </a:lvl2pPr>
+            <a:lvl3pPr marL="914400" algn="l" rtl="0" eaLnBrk="0" fontAlgn="base" hangingPunct="0">
+              <a:spcBef>
+                <a:spcPct val="0"/>
+              </a:spcBef>
+              <a:spcAft>
+                <a:spcPct val="0"/>
+              </a:spcAft>
+              <a:defRPr kern="1200">
+                <a:solidFill>
+                  <a:schemeClr val="tx1"/>
+                </a:solidFill>
+                <a:latin typeface="Arial" charset="0"/>
+                <a:ea typeface="+mn-ea"/>
+                <a:cs typeface="+mn-cs"/>
+              </a:defRPr>
+            </a:lvl3pPr>
+            <a:lvl4pPr marL="1371600" algn="l" rtl="0" eaLnBrk="0" fontAlgn="base" hangingPunct="0">
+              <a:spcBef>
+                <a:spcPct val="0"/>
+              </a:spcBef>
+              <a:spcAft>
+                <a:spcPct val="0"/>
+              </a:spcAft>
+              <a:defRPr kern="1200">
+                <a:solidFill>
+                  <a:schemeClr val="tx1"/>
+                </a:solidFill>
+                <a:latin typeface="Arial" charset="0"/>
+                <a:ea typeface="+mn-ea"/>
+                <a:cs typeface="+mn-cs"/>
+              </a:defRPr>
+            </a:lvl4pPr>
+            <a:lvl5pPr marL="1828800" algn="l" rtl="0" eaLnBrk="0" fontAlgn="base" hangingPunct="0">
+              <a:spcBef>
+                <a:spcPct val="0"/>
+              </a:spcBef>
+              <a:spcAft>
+                <a:spcPct val="0"/>
+              </a:spcAft>
+              <a:defRPr kern="1200">
+                <a:solidFill>
+                  <a:schemeClr val="tx1"/>
+                </a:solidFill>
+                <a:latin typeface="Arial" charset="0"/>
+                <a:ea typeface="+mn-ea"/>
+                <a:cs typeface="+mn-cs"/>
+              </a:defRPr>
+            </a:lvl5pPr>
+            <a:lvl6pPr marL="2286000" algn="l" defTabSz="914400" rtl="0" eaLnBrk="1" latinLnBrk="0" hangingPunct="1">
+              <a:defRPr kern="1200">
+                <a:solidFill>
+                  <a:schemeClr val="tx1"/>
+                </a:solidFill>
+                <a:latin typeface="Arial" charset="0"/>
+                <a:ea typeface="+mn-ea"/>
+                <a:cs typeface="+mn-cs"/>
+              </a:defRPr>
+            </a:lvl6pPr>
+            <a:lvl7pPr marL="2743200" algn="l" defTabSz="914400" rtl="0" eaLnBrk="1" latinLnBrk="0" hangingPunct="1">
+              <a:defRPr kern="1200">
+                <a:solidFill>
+                  <a:schemeClr val="tx1"/>
+                </a:solidFill>
+                <a:latin typeface="Arial" charset="0"/>
+                <a:ea typeface="+mn-ea"/>
+                <a:cs typeface="+mn-cs"/>
+              </a:defRPr>
+            </a:lvl7pPr>
+            <a:lvl8pPr marL="3200400" algn="l" defTabSz="914400" rtl="0" eaLnBrk="1" latinLnBrk="0" hangingPunct="1">
+              <a:defRPr kern="1200">
+                <a:solidFill>
+                  <a:schemeClr val="tx1"/>
+                </a:solidFill>
+                <a:latin typeface="Arial" charset="0"/>
+                <a:ea typeface="+mn-ea"/>
+                <a:cs typeface="+mn-cs"/>
+              </a:defRPr>
+            </a:lvl8pPr>
+            <a:lvl9pPr marL="3657600" algn="l" defTabSz="914400" rtl="0" eaLnBrk="1" latinLnBrk="0" hangingPunct="1">
+              <a:defRPr kern="1200">
+                <a:solidFill>
+                  <a:schemeClr val="tx1"/>
+                </a:solidFill>
+                <a:latin typeface="Arial" charset="0"/>
+                <a:ea typeface="+mn-ea"/>
+                <a:cs typeface="+mn-cs"/>
+              </a:defRPr>
+            </a:lvl9pPr>
+          </a:lstStyle>
+          <a:p>
+            <a:fld id="{DD8FDF0E-2772-4D89-9F72-F3CB15D8B8AB}" type="slidenum">
+              <a:rPr lang="en-US" smtClean="0"/>
+              <a:pPr/>
+              <a:t>2</a:t>
+            </a:fld>
+            <a:endParaRPr lang="en-US" dirty="0"/>
+          </a:p>
+        </p:txBody>
+      </p:sp>
+      <p:sp>
+        <p:nvSpPr>
+          <p:cNvPr id="5" name="Footer Placeholder 4">
+            <a:extLst>
+              <a:ext uri="{FF2B5EF4-FFF2-40B4-BE49-F238E27FC236}">
+                <a16:creationId xmlns:a16="http://schemas.microsoft.com/office/drawing/2014/main" id="{6AB24CF3-27BD-4949-800E-A979022CEEB1}"/>
+              </a:ext>
+            </a:extLst>
+          </p:cNvPr>
+          <p:cNvSpPr>
+            <a:spLocks noGrp="1"/>
+          </p:cNvSpPr>
+          <p:nvPr>
+            <p:ph type="ftr" sz="quarter" idx="3"/>
+          </p:nvPr>
+        </p:nvSpPr>
+        <p:spPr>
+          <a:xfrm>
+            <a:off x="1276205" y="6477000"/>
+            <a:ext cx="6496195" cy="237150"/>
+          </a:xfrm>
+          <a:prstGeom prst="rect">
+            <a:avLst/>
+          </a:prstGeom>
+        </p:spPr>
+        <p:txBody>
+          <a:bodyPr anchor="b">
+            <a:noAutofit/>
+          </a:bodyPr>
+          <a:lstStyle>
+            <a:defPPr>
+              <a:defRPr lang="en-US"/>
+            </a:defPPr>
+            <a:lvl1pPr algn="l" rtl="0" eaLnBrk="0" fontAlgn="base" hangingPunct="0">
+              <a:spcBef>
+                <a:spcPct val="0"/>
+              </a:spcBef>
+              <a:spcAft>
+                <a:spcPct val="0"/>
+              </a:spcAft>
+              <a:defRPr sz="700" kern="1200">
+                <a:solidFill>
+                  <a:srgbClr val="747679"/>
+                </a:solidFill>
+                <a:latin typeface="Arial" charset="0"/>
+                <a:ea typeface="+mn-ea"/>
+                <a:cs typeface="+mn-cs"/>
+              </a:defRPr>
+            </a:lvl1pPr>
+            <a:lvl2pPr marL="457200" algn="l" rtl="0" eaLnBrk="0" fontAlgn="base" hangingPunct="0">
+              <a:spcBef>
+                <a:spcPct val="0"/>
+              </a:spcBef>
+              <a:spcAft>
+                <a:spcPct val="0"/>
+              </a:spcAft>
+              <a:defRPr kern="1200">
+                <a:solidFill>
+                  <a:schemeClr val="tx1"/>
+                </a:solidFill>
+                <a:latin typeface="Arial" charset="0"/>
+                <a:ea typeface="+mn-ea"/>
+                <a:cs typeface="+mn-cs"/>
+              </a:defRPr>
+            </a:lvl2pPr>
+            <a:lvl3pPr marL="914400" algn="l" rtl="0" eaLnBrk="0" fontAlgn="base" hangingPunct="0">
+              <a:spcBef>
+                <a:spcPct val="0"/>
+              </a:spcBef>
+              <a:spcAft>
+                <a:spcPct val="0"/>
+              </a:spcAft>
+              <a:defRPr kern="1200">
+                <a:solidFill>
+                  <a:schemeClr val="tx1"/>
+                </a:solidFill>
+                <a:latin typeface="Arial" charset="0"/>
+                <a:ea typeface="+mn-ea"/>
+                <a:cs typeface="+mn-cs"/>
+              </a:defRPr>
+            </a:lvl3pPr>
+            <a:lvl4pPr marL="1371600" algn="l" rtl="0" eaLnBrk="0" fontAlgn="base" hangingPunct="0">
+              <a:spcBef>
+                <a:spcPct val="0"/>
+              </a:spcBef>
+              <a:spcAft>
+                <a:spcPct val="0"/>
+              </a:spcAft>
+              <a:defRPr kern="1200">
+                <a:solidFill>
+                  <a:schemeClr val="tx1"/>
+                </a:solidFill>
+                <a:latin typeface="Arial" charset="0"/>
+                <a:ea typeface="+mn-ea"/>
+                <a:cs typeface="+mn-cs"/>
+              </a:defRPr>
+            </a:lvl4pPr>
+            <a:lvl5pPr marL="1828800" algn="l" rtl="0" eaLnBrk="0" fontAlgn="base" hangingPunct="0">
+              <a:spcBef>
+                <a:spcPct val="0"/>
+              </a:spcBef>
+              <a:spcAft>
+                <a:spcPct val="0"/>
+              </a:spcAft>
+              <a:defRPr kern="1200">
+                <a:solidFill>
+                  <a:schemeClr val="tx1"/>
+                </a:solidFill>
+                <a:latin typeface="Arial" charset="0"/>
+                <a:ea typeface="+mn-ea"/>
+                <a:cs typeface="+mn-cs"/>
+              </a:defRPr>
+            </a:lvl5pPr>
+            <a:lvl6pPr marL="2286000" algn="l" defTabSz="914400" rtl="0" eaLnBrk="1" latinLnBrk="0" hangingPunct="1">
+              <a:defRPr kern="1200">
+                <a:solidFill>
+                  <a:schemeClr val="tx1"/>
+                </a:solidFill>
+                <a:latin typeface="Arial" charset="0"/>
+                <a:ea typeface="+mn-ea"/>
+                <a:cs typeface="+mn-cs"/>
+              </a:defRPr>
+            </a:lvl6pPr>
+            <a:lvl7pPr marL="2743200" algn="l" defTabSz="914400" rtl="0" eaLnBrk="1" latinLnBrk="0" hangingPunct="1">
+              <a:defRPr kern="1200">
+                <a:solidFill>
+                  <a:schemeClr val="tx1"/>
+                </a:solidFill>
+                <a:latin typeface="Arial" charset="0"/>
+                <a:ea typeface="+mn-ea"/>
+                <a:cs typeface="+mn-cs"/>
+              </a:defRPr>
+            </a:lvl7pPr>
+            <a:lvl8pPr marL="3200400" algn="l" defTabSz="914400" rtl="0" eaLnBrk="1" latinLnBrk="0" hangingPunct="1">
+              <a:defRPr kern="1200">
+                <a:solidFill>
+                  <a:schemeClr val="tx1"/>
+                </a:solidFill>
+                <a:latin typeface="Arial" charset="0"/>
+                <a:ea typeface="+mn-ea"/>
+                <a:cs typeface="+mn-cs"/>
+              </a:defRPr>
+            </a:lvl8pPr>
+            <a:lvl9pPr marL="3657600" algn="l" defTabSz="914400" rtl="0" eaLnBrk="1" latinLnBrk="0" hangingPunct="1">
+              <a:defRPr kern="1200">
+                <a:solidFill>
+                  <a:schemeClr val="tx1"/>
+                </a:solidFill>
+                <a:latin typeface="Arial" charset="0"/>
+                <a:ea typeface="+mn-ea"/>
+                <a:cs typeface="+mn-cs"/>
+              </a:defRPr>
+            </a:lvl9pPr>
+          </a:lstStyle>
+          <a:p>
+            <a:r>
+              <a:rPr lang="en-US" kern="0"/>
+              <a:t>® Health Level Seven and HL7 are registered trademarks of Health Level Seven International, registered with the United States Patent and Trademark Office.</a:t>
+            </a:r>
+            <a:endParaRPr lang="en-US" kern="0" dirty="0"/>
+          </a:p>
+        </p:txBody>
+      </p:sp>
+    </p:spTree>
+    <p:extLst>
+      <p:ext uri="{BB962C8B-B14F-4D97-AF65-F5344CB8AC3E}">
+        <p14:creationId xmlns:p14="http://schemas.microsoft.com/office/powerpoint/2010/main" val="3719735453"/>
+      </p:ext>
+    </p:extLst>
+  </p:cSld>
+  <p:clrMapOvr>
+    <a:masterClrMapping/>
+  </p:clrMapOvr>
+</p:sld>
+</file>
+
+<file path=ppt/slides/slide20.xml><?xml version="1.0" encoding="utf-8"?>
 <p:sld xmlns:a="http://schemas.openxmlformats.org/drawingml/2006/main" xmlns:r="http://schemas.openxmlformats.org/officeDocument/2006/relationships" xmlns:p="http://schemas.openxmlformats.org/presentationml/2006/main">
   <p:cSld>
     <p:spTree>
@@ -7188,7 +8220,7 @@
             <a:fld id="{DD8FDF0E-2772-4D89-9F72-F3CB15D8B8AB}" type="slidenum">
               <a:rPr lang="en-US" smtClean="0"/>
               <a:pPr/>
-              <a:t>18</a:t>
+              <a:t>20</a:t>
             </a:fld>
             <a:endParaRPr lang="en-US" dirty="0"/>
           </a:p>
@@ -7370,7 +8402,7 @@
 </p:sld>
 </file>
 
-<file path=ppt/slides/slide19.xml><?xml version="1.0" encoding="utf-8"?>
+<file path=ppt/slides/slide21.xml><?xml version="1.0" encoding="utf-8"?>
 <p:sld xmlns:a="http://schemas.openxmlformats.org/drawingml/2006/main" xmlns:r="http://schemas.openxmlformats.org/officeDocument/2006/relationships" xmlns:p="http://schemas.openxmlformats.org/presentationml/2006/main">
   <p:cSld>
     <p:spTree>
@@ -7631,7 +8663,7 @@
             <a:fld id="{DD8FDF0E-2772-4D89-9F72-F3CB15D8B8AB}" type="slidenum">
               <a:rPr lang="en-US" smtClean="0"/>
               <a:pPr/>
-              <a:t>19</a:t>
+              <a:t>21</a:t>
             </a:fld>
             <a:endParaRPr lang="en-US" dirty="0"/>
           </a:p>
@@ -7813,459 +8845,7 @@
 </p:sld>
 </file>
 
-<file path=ppt/slides/slide2.xml><?xml version="1.0" encoding="utf-8"?>
-<p:sld xmlns:a="http://schemas.openxmlformats.org/drawingml/2006/main" xmlns:r="http://schemas.openxmlformats.org/officeDocument/2006/relationships" xmlns:p="http://schemas.openxmlformats.org/presentationml/2006/main">
-  <p:cSld>
-    <p:spTree>
-      <p:nvGrpSpPr>
-        <p:cNvPr id="1" name=""/>
-        <p:cNvGrpSpPr/>
-        <p:nvPr/>
-      </p:nvGrpSpPr>
-      <p:grpSpPr>
-        <a:xfrm>
-          <a:off x="0" y="0"/>
-          <a:ext cx="0" cy="0"/>
-          <a:chOff x="0" y="0"/>
-          <a:chExt cx="0" cy="0"/>
-        </a:xfrm>
-      </p:grpSpPr>
-      <p:sp>
-        <p:nvSpPr>
-          <p:cNvPr id="2" name="Title 1">
-            <a:extLst>
-              <a:ext uri="{FF2B5EF4-FFF2-40B4-BE49-F238E27FC236}">
-                <a16:creationId xmlns:a16="http://schemas.microsoft.com/office/drawing/2014/main" id="{0D88EDBB-7D0C-324F-9D92-379210AC4922}"/>
-              </a:ext>
-            </a:extLst>
-          </p:cNvPr>
-          <p:cNvSpPr>
-            <a:spLocks noGrp="1"/>
-          </p:cNvSpPr>
-          <p:nvPr>
-            <p:ph type="title"/>
-          </p:nvPr>
-        </p:nvSpPr>
-        <p:spPr/>
-        <p:txBody>
-          <a:bodyPr/>
-          <a:lstStyle/>
-          <a:p>
-            <a:r>
-              <a:rPr lang="en-US" dirty="0"/>
-              <a:t>Topics</a:t>
-            </a:r>
-          </a:p>
-        </p:txBody>
-      </p:sp>
-      <p:sp>
-        <p:nvSpPr>
-          <p:cNvPr id="3" name="Content Placeholder 2">
-            <a:extLst>
-              <a:ext uri="{FF2B5EF4-FFF2-40B4-BE49-F238E27FC236}">
-                <a16:creationId xmlns:a16="http://schemas.microsoft.com/office/drawing/2014/main" id="{E7F517F1-7967-994A-92E7-0B56C37FB28C}"/>
-              </a:ext>
-            </a:extLst>
-          </p:cNvPr>
-          <p:cNvSpPr>
-            <a:spLocks noGrp="1"/>
-          </p:cNvSpPr>
-          <p:nvPr>
-            <p:ph idx="1"/>
-          </p:nvPr>
-        </p:nvSpPr>
-        <p:spPr/>
-        <p:txBody>
-          <a:bodyPr/>
-          <a:lstStyle/>
-          <a:p>
-            <a:r>
-              <a:rPr lang="en-CA" dirty="0"/>
-              <a:t>Project Scope Statement (PSS)</a:t>
-            </a:r>
-          </a:p>
-          <a:p>
-            <a:r>
-              <a:rPr lang="en-CA" dirty="0"/>
-              <a:t>Implementation Guide proposals</a:t>
-            </a:r>
-          </a:p>
-          <a:p>
-            <a:r>
-              <a:rPr lang="en-CA" dirty="0"/>
-              <a:t>Publication checklist</a:t>
-            </a:r>
-          </a:p>
-          <a:p>
-            <a:r>
-              <a:rPr lang="en-CA" dirty="0"/>
-              <a:t>Using </a:t>
-            </a:r>
-            <a:r>
-              <a:rPr lang="en-CA" dirty="0" err="1"/>
-              <a:t>Zulip</a:t>
-            </a:r>
-            <a:r>
-              <a:rPr lang="en-CA" dirty="0"/>
-              <a:t> and WG Calls</a:t>
-            </a:r>
-          </a:p>
-          <a:p>
-            <a:endParaRPr lang="en-US" dirty="0"/>
-          </a:p>
-        </p:txBody>
-      </p:sp>
-      <p:sp>
-        <p:nvSpPr>
-          <p:cNvPr id="4" name="Slide Number Placeholder 3">
-            <a:extLst>
-              <a:ext uri="{FF2B5EF4-FFF2-40B4-BE49-F238E27FC236}">
-                <a16:creationId xmlns:a16="http://schemas.microsoft.com/office/drawing/2014/main" id="{148F01F4-70BE-9649-90AF-04E5EF18BC10}"/>
-              </a:ext>
-            </a:extLst>
-          </p:cNvPr>
-          <p:cNvSpPr>
-            <a:spLocks noGrp="1"/>
-          </p:cNvSpPr>
-          <p:nvPr>
-            <p:ph type="sldNum" sz="quarter" idx="11"/>
-          </p:nvPr>
-        </p:nvSpPr>
-        <p:spPr bwMode="auto">
-          <a:xfrm>
-            <a:off x="11430000" y="6477000"/>
-            <a:ext cx="330200" cy="247650"/>
-          </a:xfrm>
-          <a:prstGeom prst="rect">
-            <a:avLst/>
-          </a:prstGeom>
-          <a:noFill/>
-          <a:ln w="9525">
-            <a:noFill/>
-            <a:miter lim="800000"/>
-            <a:headEnd/>
-            <a:tailEnd/>
-          </a:ln>
-          <a:effectLst/>
-        </p:spPr>
-        <p:txBody>
-          <a:bodyPr vert="horz" wrap="square" lIns="91440" tIns="45720" rIns="91440" bIns="45720" numCol="1" anchor="b" anchorCtr="0" compatLnSpc="1">
-            <a:prstTxWarp prst="textNoShape">
-              <a:avLst/>
-            </a:prstTxWarp>
-          </a:bodyPr>
-          <a:lstStyle>
-            <a:defPPr>
-              <a:defRPr lang="en-US"/>
-            </a:defPPr>
-            <a:lvl1pPr algn="ctr" rtl="0" eaLnBrk="1" fontAlgn="base" hangingPunct="1">
-              <a:spcBef>
-                <a:spcPct val="0"/>
-              </a:spcBef>
-              <a:spcAft>
-                <a:spcPct val="0"/>
-              </a:spcAft>
-              <a:defRPr sz="800" kern="1200">
-                <a:solidFill>
-                  <a:schemeClr val="tx1"/>
-                </a:solidFill>
-                <a:latin typeface="Arial" charset="0"/>
-                <a:ea typeface="+mn-ea"/>
-                <a:cs typeface="+mn-cs"/>
-              </a:defRPr>
-            </a:lvl1pPr>
-            <a:lvl2pPr marL="457200" algn="l" rtl="0" eaLnBrk="0" fontAlgn="base" hangingPunct="0">
-              <a:spcBef>
-                <a:spcPct val="0"/>
-              </a:spcBef>
-              <a:spcAft>
-                <a:spcPct val="0"/>
-              </a:spcAft>
-              <a:defRPr kern="1200">
-                <a:solidFill>
-                  <a:schemeClr val="tx1"/>
-                </a:solidFill>
-                <a:latin typeface="Arial" charset="0"/>
-                <a:ea typeface="+mn-ea"/>
-                <a:cs typeface="+mn-cs"/>
-              </a:defRPr>
-            </a:lvl2pPr>
-            <a:lvl3pPr marL="914400" algn="l" rtl="0" eaLnBrk="0" fontAlgn="base" hangingPunct="0">
-              <a:spcBef>
-                <a:spcPct val="0"/>
-              </a:spcBef>
-              <a:spcAft>
-                <a:spcPct val="0"/>
-              </a:spcAft>
-              <a:defRPr kern="1200">
-                <a:solidFill>
-                  <a:schemeClr val="tx1"/>
-                </a:solidFill>
-                <a:latin typeface="Arial" charset="0"/>
-                <a:ea typeface="+mn-ea"/>
-                <a:cs typeface="+mn-cs"/>
-              </a:defRPr>
-            </a:lvl3pPr>
-            <a:lvl4pPr marL="1371600" algn="l" rtl="0" eaLnBrk="0" fontAlgn="base" hangingPunct="0">
-              <a:spcBef>
-                <a:spcPct val="0"/>
-              </a:spcBef>
-              <a:spcAft>
-                <a:spcPct val="0"/>
-              </a:spcAft>
-              <a:defRPr kern="1200">
-                <a:solidFill>
-                  <a:schemeClr val="tx1"/>
-                </a:solidFill>
-                <a:latin typeface="Arial" charset="0"/>
-                <a:ea typeface="+mn-ea"/>
-                <a:cs typeface="+mn-cs"/>
-              </a:defRPr>
-            </a:lvl4pPr>
-            <a:lvl5pPr marL="1828800" algn="l" rtl="0" eaLnBrk="0" fontAlgn="base" hangingPunct="0">
-              <a:spcBef>
-                <a:spcPct val="0"/>
-              </a:spcBef>
-              <a:spcAft>
-                <a:spcPct val="0"/>
-              </a:spcAft>
-              <a:defRPr kern="1200">
-                <a:solidFill>
-                  <a:schemeClr val="tx1"/>
-                </a:solidFill>
-                <a:latin typeface="Arial" charset="0"/>
-                <a:ea typeface="+mn-ea"/>
-                <a:cs typeface="+mn-cs"/>
-              </a:defRPr>
-            </a:lvl5pPr>
-            <a:lvl6pPr marL="2286000" algn="l" defTabSz="914400" rtl="0" eaLnBrk="1" latinLnBrk="0" hangingPunct="1">
-              <a:defRPr kern="1200">
-                <a:solidFill>
-                  <a:schemeClr val="tx1"/>
-                </a:solidFill>
-                <a:latin typeface="Arial" charset="0"/>
-                <a:ea typeface="+mn-ea"/>
-                <a:cs typeface="+mn-cs"/>
-              </a:defRPr>
-            </a:lvl6pPr>
-            <a:lvl7pPr marL="2743200" algn="l" defTabSz="914400" rtl="0" eaLnBrk="1" latinLnBrk="0" hangingPunct="1">
-              <a:defRPr kern="1200">
-                <a:solidFill>
-                  <a:schemeClr val="tx1"/>
-                </a:solidFill>
-                <a:latin typeface="Arial" charset="0"/>
-                <a:ea typeface="+mn-ea"/>
-                <a:cs typeface="+mn-cs"/>
-              </a:defRPr>
-            </a:lvl7pPr>
-            <a:lvl8pPr marL="3200400" algn="l" defTabSz="914400" rtl="0" eaLnBrk="1" latinLnBrk="0" hangingPunct="1">
-              <a:defRPr kern="1200">
-                <a:solidFill>
-                  <a:schemeClr val="tx1"/>
-                </a:solidFill>
-                <a:latin typeface="Arial" charset="0"/>
-                <a:ea typeface="+mn-ea"/>
-                <a:cs typeface="+mn-cs"/>
-              </a:defRPr>
-            </a:lvl8pPr>
-            <a:lvl9pPr marL="3657600" algn="l" defTabSz="914400" rtl="0" eaLnBrk="1" latinLnBrk="0" hangingPunct="1">
-              <a:defRPr kern="1200">
-                <a:solidFill>
-                  <a:schemeClr val="tx1"/>
-                </a:solidFill>
-                <a:latin typeface="Arial" charset="0"/>
-                <a:ea typeface="+mn-ea"/>
-                <a:cs typeface="+mn-cs"/>
-              </a:defRPr>
-            </a:lvl9pPr>
-          </a:lstStyle>
-          <a:p>
-            <a:fld id="{DD8FDF0E-2772-4D89-9F72-F3CB15D8B8AB}" type="slidenum">
-              <a:rPr lang="en-US" smtClean="0"/>
-              <a:pPr/>
-              <a:t>2</a:t>
-            </a:fld>
-            <a:endParaRPr lang="en-US" dirty="0"/>
-          </a:p>
-        </p:txBody>
-      </p:sp>
-      <p:sp>
-        <p:nvSpPr>
-          <p:cNvPr id="5" name="Footer Placeholder 4">
-            <a:extLst>
-              <a:ext uri="{FF2B5EF4-FFF2-40B4-BE49-F238E27FC236}">
-                <a16:creationId xmlns:a16="http://schemas.microsoft.com/office/drawing/2014/main" id="{6AB24CF3-27BD-4949-800E-A979022CEEB1}"/>
-              </a:ext>
-            </a:extLst>
-          </p:cNvPr>
-          <p:cNvSpPr>
-            <a:spLocks noGrp="1"/>
-          </p:cNvSpPr>
-          <p:nvPr>
-            <p:ph type="ftr" sz="quarter" idx="3"/>
-          </p:nvPr>
-        </p:nvSpPr>
-        <p:spPr>
-          <a:xfrm>
-            <a:off x="1276205" y="6477000"/>
-            <a:ext cx="6496195" cy="237150"/>
-          </a:xfrm>
-          <a:prstGeom prst="rect">
-            <a:avLst/>
-          </a:prstGeom>
-        </p:spPr>
-        <p:txBody>
-          <a:bodyPr anchor="b">
-            <a:noAutofit/>
-          </a:bodyPr>
-          <a:lstStyle>
-            <a:defPPr>
-              <a:defRPr lang="en-US"/>
-            </a:defPPr>
-            <a:lvl1pPr algn="l" rtl="0" eaLnBrk="0" fontAlgn="base" hangingPunct="0">
-              <a:spcBef>
-                <a:spcPct val="0"/>
-              </a:spcBef>
-              <a:spcAft>
-                <a:spcPct val="0"/>
-              </a:spcAft>
-              <a:defRPr sz="700" kern="1200">
-                <a:solidFill>
-                  <a:srgbClr val="747679"/>
-                </a:solidFill>
-                <a:latin typeface="Arial" charset="0"/>
-                <a:ea typeface="+mn-ea"/>
-                <a:cs typeface="+mn-cs"/>
-              </a:defRPr>
-            </a:lvl1pPr>
-            <a:lvl2pPr marL="457200" algn="l" rtl="0" eaLnBrk="0" fontAlgn="base" hangingPunct="0">
-              <a:spcBef>
-                <a:spcPct val="0"/>
-              </a:spcBef>
-              <a:spcAft>
-                <a:spcPct val="0"/>
-              </a:spcAft>
-              <a:defRPr kern="1200">
-                <a:solidFill>
-                  <a:schemeClr val="tx1"/>
-                </a:solidFill>
-                <a:latin typeface="Arial" charset="0"/>
-                <a:ea typeface="+mn-ea"/>
-                <a:cs typeface="+mn-cs"/>
-              </a:defRPr>
-            </a:lvl2pPr>
-            <a:lvl3pPr marL="914400" algn="l" rtl="0" eaLnBrk="0" fontAlgn="base" hangingPunct="0">
-              <a:spcBef>
-                <a:spcPct val="0"/>
-              </a:spcBef>
-              <a:spcAft>
-                <a:spcPct val="0"/>
-              </a:spcAft>
-              <a:defRPr kern="1200">
-                <a:solidFill>
-                  <a:schemeClr val="tx1"/>
-                </a:solidFill>
-                <a:latin typeface="Arial" charset="0"/>
-                <a:ea typeface="+mn-ea"/>
-                <a:cs typeface="+mn-cs"/>
-              </a:defRPr>
-            </a:lvl3pPr>
-            <a:lvl4pPr marL="1371600" algn="l" rtl="0" eaLnBrk="0" fontAlgn="base" hangingPunct="0">
-              <a:spcBef>
-                <a:spcPct val="0"/>
-              </a:spcBef>
-              <a:spcAft>
-                <a:spcPct val="0"/>
-              </a:spcAft>
-              <a:defRPr kern="1200">
-                <a:solidFill>
-                  <a:schemeClr val="tx1"/>
-                </a:solidFill>
-                <a:latin typeface="Arial" charset="0"/>
-                <a:ea typeface="+mn-ea"/>
-                <a:cs typeface="+mn-cs"/>
-              </a:defRPr>
-            </a:lvl4pPr>
-            <a:lvl5pPr marL="1828800" algn="l" rtl="0" eaLnBrk="0" fontAlgn="base" hangingPunct="0">
-              <a:spcBef>
-                <a:spcPct val="0"/>
-              </a:spcBef>
-              <a:spcAft>
-                <a:spcPct val="0"/>
-              </a:spcAft>
-              <a:defRPr kern="1200">
-                <a:solidFill>
-                  <a:schemeClr val="tx1"/>
-                </a:solidFill>
-                <a:latin typeface="Arial" charset="0"/>
-                <a:ea typeface="+mn-ea"/>
-                <a:cs typeface="+mn-cs"/>
-              </a:defRPr>
-            </a:lvl5pPr>
-            <a:lvl6pPr marL="2286000" algn="l" defTabSz="914400" rtl="0" eaLnBrk="1" latinLnBrk="0" hangingPunct="1">
-              <a:defRPr kern="1200">
-                <a:solidFill>
-                  <a:schemeClr val="tx1"/>
-                </a:solidFill>
-                <a:latin typeface="Arial" charset="0"/>
-                <a:ea typeface="+mn-ea"/>
-                <a:cs typeface="+mn-cs"/>
-              </a:defRPr>
-            </a:lvl6pPr>
-            <a:lvl7pPr marL="2743200" algn="l" defTabSz="914400" rtl="0" eaLnBrk="1" latinLnBrk="0" hangingPunct="1">
-              <a:defRPr kern="1200">
-                <a:solidFill>
-                  <a:schemeClr val="tx1"/>
-                </a:solidFill>
-                <a:latin typeface="Arial" charset="0"/>
-                <a:ea typeface="+mn-ea"/>
-                <a:cs typeface="+mn-cs"/>
-              </a:defRPr>
-            </a:lvl7pPr>
-            <a:lvl8pPr marL="3200400" algn="l" defTabSz="914400" rtl="0" eaLnBrk="1" latinLnBrk="0" hangingPunct="1">
-              <a:defRPr kern="1200">
-                <a:solidFill>
-                  <a:schemeClr val="tx1"/>
-                </a:solidFill>
-                <a:latin typeface="Arial" charset="0"/>
-                <a:ea typeface="+mn-ea"/>
-                <a:cs typeface="+mn-cs"/>
-              </a:defRPr>
-            </a:lvl8pPr>
-            <a:lvl9pPr marL="3657600" algn="l" defTabSz="914400" rtl="0" eaLnBrk="1" latinLnBrk="0" hangingPunct="1">
-              <a:defRPr kern="1200">
-                <a:solidFill>
-                  <a:schemeClr val="tx1"/>
-                </a:solidFill>
-                <a:latin typeface="Arial" charset="0"/>
-                <a:ea typeface="+mn-ea"/>
-                <a:cs typeface="+mn-cs"/>
-              </a:defRPr>
-            </a:lvl9pPr>
-          </a:lstStyle>
-          <a:p>
-            <a:r>
-              <a:rPr lang="en-US" kern="0"/>
-              <a:t>® Health Level Seven and HL7 are registered trademarks of Health Level Seven International, registered with the United States Patent and Trademark Office.</a:t>
-            </a:r>
-            <a:endParaRPr lang="en-US" kern="0" dirty="0"/>
-          </a:p>
-        </p:txBody>
-      </p:sp>
-    </p:spTree>
-    <p:extLst>
-      <p:ext uri="{BB962C8B-B14F-4D97-AF65-F5344CB8AC3E}">
-        <p14:creationId xmlns:p14="http://schemas.microsoft.com/office/powerpoint/2010/main" val="3719735453"/>
-      </p:ext>
-    </p:extLst>
-  </p:cSld>
-  <p:clrMapOvr>
-    <a:masterClrMapping/>
-  </p:clrMapOvr>
-</p:sld>
-</file>
-
-<file path=ppt/slides/slide20.xml><?xml version="1.0" encoding="utf-8"?>
+<file path=ppt/slides/slide22.xml><?xml version="1.0" encoding="utf-8"?>
 <p:sld xmlns:a="http://schemas.openxmlformats.org/drawingml/2006/main" xmlns:r="http://schemas.openxmlformats.org/officeDocument/2006/relationships" xmlns:p="http://schemas.openxmlformats.org/presentationml/2006/main">
   <p:cSld>
     <p:spTree>
@@ -8567,7 +9147,7 @@
             <a:fld id="{DD8FDF0E-2772-4D89-9F72-F3CB15D8B8AB}" type="slidenum">
               <a:rPr lang="en-US" smtClean="0"/>
               <a:pPr/>
-              <a:t>20</a:t>
+              <a:t>22</a:t>
             </a:fld>
             <a:endParaRPr lang="en-US" dirty="0"/>
           </a:p>
@@ -8749,7 +9329,7 @@
 </p:sld>
 </file>
 
-<file path=ppt/slides/slide21.xml><?xml version="1.0" encoding="utf-8"?>
+<file path=ppt/slides/slide23.xml><?xml version="1.0" encoding="utf-8"?>
 <p:sld xmlns:a="http://schemas.openxmlformats.org/drawingml/2006/main" xmlns:r="http://schemas.openxmlformats.org/officeDocument/2006/relationships" xmlns:p="http://schemas.openxmlformats.org/presentationml/2006/main">
   <p:cSld>
     <p:spTree>
@@ -9053,7 +9633,7 @@
             <a:fld id="{DD8FDF0E-2772-4D89-9F72-F3CB15D8B8AB}" type="slidenum">
               <a:rPr lang="en-US" smtClean="0"/>
               <a:pPr/>
-              <a:t>21</a:t>
+              <a:t>23</a:t>
             </a:fld>
             <a:endParaRPr lang="en-US" dirty="0"/>
           </a:p>
@@ -9235,7 +9815,7 @@
 </p:sld>
 </file>
 
-<file path=ppt/slides/slide22.xml><?xml version="1.0" encoding="utf-8"?>
+<file path=ppt/slides/slide24.xml><?xml version="1.0" encoding="utf-8"?>
 <p:sld xmlns:a="http://schemas.openxmlformats.org/drawingml/2006/main" xmlns:r="http://schemas.openxmlformats.org/officeDocument/2006/relationships" xmlns:p="http://schemas.openxmlformats.org/presentationml/2006/main">
   <p:cSld>
     <p:spTree>
@@ -9511,7 +10091,7 @@
             <a:fld id="{DD8FDF0E-2772-4D89-9F72-F3CB15D8B8AB}" type="slidenum">
               <a:rPr lang="en-US" smtClean="0"/>
               <a:pPr/>
-              <a:t>22</a:t>
+              <a:t>24</a:t>
             </a:fld>
             <a:endParaRPr lang="en-US" dirty="0"/>
           </a:p>
@@ -9693,7 +10273,7 @@
 </p:sld>
 </file>
 
-<file path=ppt/slides/slide23.xml><?xml version="1.0" encoding="utf-8"?>
+<file path=ppt/slides/slide25.xml><?xml version="1.0" encoding="utf-8"?>
 <p:sld xmlns:a="http://schemas.openxmlformats.org/drawingml/2006/main" xmlns:r="http://schemas.openxmlformats.org/officeDocument/2006/relationships" xmlns:p="http://schemas.openxmlformats.org/presentationml/2006/main">
   <p:cSld>
     <p:spTree>
@@ -9963,7 +10543,7 @@
             <a:fld id="{DD8FDF0E-2772-4D89-9F72-F3CB15D8B8AB}" type="slidenum">
               <a:rPr lang="en-US" smtClean="0"/>
               <a:pPr/>
-              <a:t>23</a:t>
+              <a:t>25</a:t>
             </a:fld>
             <a:endParaRPr lang="en-US" dirty="0"/>
           </a:p>
@@ -11686,34 +12266,6 @@
       </p:sp>
       <p:sp>
         <p:nvSpPr>
-          <p:cNvPr id="7" name="Text Placeholder 6">
-            <a:extLst>
-              <a:ext uri="{FF2B5EF4-FFF2-40B4-BE49-F238E27FC236}">
-                <a16:creationId xmlns:a16="http://schemas.microsoft.com/office/drawing/2014/main" id="{734FCC90-F42A-2C46-BCA3-E385BE289964}"/>
-              </a:ext>
-            </a:extLst>
-          </p:cNvPr>
-          <p:cNvSpPr>
-            <a:spLocks noGrp="1"/>
-          </p:cNvSpPr>
-          <p:nvPr>
-            <p:ph type="body" idx="1"/>
-          </p:nvPr>
-        </p:nvSpPr>
-        <p:spPr/>
-        <p:txBody>
-          <a:bodyPr/>
-          <a:lstStyle/>
-          <a:p>
-            <a:r>
-              <a:rPr lang="en-US" dirty="0"/>
-              <a:t>HL7 Dates</a:t>
-            </a:r>
-          </a:p>
-        </p:txBody>
-      </p:sp>
-      <p:sp>
-        <p:nvSpPr>
           <p:cNvPr id="3" name="Content Placeholder 2">
             <a:extLst>
               <a:ext uri="{FF2B5EF4-FFF2-40B4-BE49-F238E27FC236}">
@@ -11725,163 +12277,56 @@
             <a:spLocks noGrp="1"/>
           </p:cNvSpPr>
           <p:nvPr>
-            <p:ph sz="half" idx="2"/>
-          </p:nvPr>
-        </p:nvSpPr>
-        <p:spPr>
-          <a:xfrm>
-            <a:off x="251520" y="2480071"/>
-            <a:ext cx="4303018" cy="2549129"/>
-          </a:xfrm>
-        </p:spPr>
-        <p:txBody>
-          <a:bodyPr>
-            <a:normAutofit/>
-          </a:bodyPr>
-          <a:lstStyle/>
-          <a:p>
-            <a:r>
-              <a:rPr lang="en-CA" sz="1200" dirty="0"/>
-              <a:t>WG Approvals of PSS – 2019-10-04 (May 2020 Ballot Cycle</a:t>
-            </a:r>
-          </a:p>
-          <a:p>
-            <a:r>
-              <a:rPr lang="en-CA" sz="1200" dirty="0"/>
-              <a:t>Notice of Intent to Ballot (NIB) – 2019-11-17 for January 2020 Ballot Cycle</a:t>
-            </a:r>
-          </a:p>
-          <a:p>
-            <a:r>
-              <a:rPr lang="en-CA" sz="1200" dirty="0"/>
-              <a:t>Harmonization – 2019-11-21 – Final Proposal Deadline</a:t>
-            </a:r>
-          </a:p>
-          <a:p>
-            <a:r>
-              <a:rPr lang="en-CA" sz="1200" dirty="0"/>
-              <a:t>Initial content – 2019-12-01</a:t>
-            </a:r>
-          </a:p>
-          <a:p>
-            <a:r>
-              <a:rPr lang="en-CA" sz="1200" dirty="0"/>
-              <a:t>Ballot reconciliation deadline – 2019-12-08</a:t>
-            </a:r>
-          </a:p>
-          <a:p>
-            <a:r>
-              <a:rPr lang="en-CA" sz="1200" dirty="0"/>
-              <a:t>Final content deadline – 2019-12-22</a:t>
-            </a:r>
-          </a:p>
-          <a:p>
-            <a:r>
-              <a:rPr lang="en-CA" sz="1200" dirty="0"/>
-              <a:t>Ballot Readiness Sign-off – 2019-12-24</a:t>
-            </a:r>
-          </a:p>
-        </p:txBody>
-      </p:sp>
-      <p:sp>
-        <p:nvSpPr>
-          <p:cNvPr id="8" name="Text Placeholder 7">
-            <a:extLst>
-              <a:ext uri="{FF2B5EF4-FFF2-40B4-BE49-F238E27FC236}">
-                <a16:creationId xmlns:a16="http://schemas.microsoft.com/office/drawing/2014/main" id="{E5F5E1D8-132C-AA42-AA46-223828143D44}"/>
-              </a:ext>
-            </a:extLst>
-          </p:cNvPr>
-          <p:cNvSpPr>
-            <a:spLocks noGrp="1"/>
-          </p:cNvSpPr>
-          <p:nvPr>
-            <p:ph type="body" sz="quarter" idx="3"/>
+            <p:ph idx="1"/>
           </p:nvPr>
         </p:nvSpPr>
         <p:spPr/>
         <p:txBody>
-          <a:bodyPr/>
+          <a:bodyPr>
+            <a:normAutofit fontScale="92500" lnSpcReduction="20000"/>
+          </a:bodyPr>
           <a:lstStyle/>
           <a:p>
             <a:r>
-              <a:rPr lang="en-US" dirty="0"/>
-              <a:t>FHIR Specific Dates</a:t>
-            </a:r>
-          </a:p>
-        </p:txBody>
-      </p:sp>
-      <p:sp>
-        <p:nvSpPr>
-          <p:cNvPr id="9" name="Content Placeholder 8">
-            <a:extLst>
-              <a:ext uri="{FF2B5EF4-FFF2-40B4-BE49-F238E27FC236}">
-                <a16:creationId xmlns:a16="http://schemas.microsoft.com/office/drawing/2014/main" id="{6A3805DF-65D4-5B43-9412-EC57F42989E9}"/>
-              </a:ext>
-            </a:extLst>
-          </p:cNvPr>
-          <p:cNvSpPr>
-            <a:spLocks noGrp="1"/>
-          </p:cNvSpPr>
-          <p:nvPr>
-            <p:ph sz="quarter" idx="4"/>
-          </p:nvPr>
-        </p:nvSpPr>
-        <p:spPr>
-          <a:xfrm>
-            <a:off x="4780026" y="2480071"/>
-            <a:ext cx="4303018" cy="2549129"/>
-          </a:xfrm>
-        </p:spPr>
-        <p:txBody>
-          <a:bodyPr/>
-          <a:lstStyle/>
-          <a:p>
-            <a:r>
-              <a:rPr lang="en-CA" sz="1350" dirty="0"/>
-              <a:t>FHIR IG Proposals Due – 2019-11-03</a:t>
-            </a:r>
-          </a:p>
-          <a:p>
-            <a:r>
-              <a:rPr lang="en-CA" sz="1350" dirty="0"/>
-              <a:t>FHIR IG substantially complete – 2019-11-17</a:t>
-            </a:r>
-          </a:p>
-          <a:p>
-            <a:r>
-              <a:rPr lang="en-CA" sz="1350" dirty="0"/>
-              <a:t>FHIR ballot core substantive freeze – 2019-11-29</a:t>
-            </a:r>
-          </a:p>
-          <a:p>
-            <a:r>
-              <a:rPr lang="en-CA" sz="1350" dirty="0"/>
-              <a:t>FHIR QA Deadline</a:t>
-            </a:r>
-          </a:p>
-          <a:p>
-            <a:r>
-              <a:rPr lang="en-CA" sz="1350" dirty="0"/>
-              <a:t>FHIR Final QA Deadline</a:t>
-            </a:r>
-          </a:p>
-          <a:p>
-            <a:r>
-              <a:rPr lang="en-CA" sz="1350" dirty="0"/>
-              <a:t>FHIR </a:t>
-            </a:r>
-            <a:r>
-              <a:rPr lang="en-CA" sz="1350" dirty="0" err="1"/>
-              <a:t>Connectathon</a:t>
-            </a:r>
-            <a:r>
-              <a:rPr lang="en-CA" sz="1350" dirty="0"/>
-              <a:t> Proposals Due – 2019-12-03</a:t>
-            </a:r>
-          </a:p>
-          <a:p>
-            <a:endParaRPr lang="en-US" dirty="0"/>
+              <a:rPr lang="en-CA" sz="3200" dirty="0"/>
+              <a:t>WG Approvals of PSS – 2019-10-04 (May 2020 Ballot Cycle</a:t>
+            </a:r>
+          </a:p>
+          <a:p>
+            <a:r>
+              <a:rPr lang="en-CA" sz="3200" dirty="0"/>
+              <a:t>Notice of Intent to Ballot (NIB) – 2019-11-17 for January 2020 Ballot Cycle</a:t>
+            </a:r>
+          </a:p>
+          <a:p>
+            <a:r>
+              <a:rPr lang="en-CA" sz="3200" dirty="0"/>
+              <a:t>Harmonization – 2019-11-21 – Final Proposal Deadline</a:t>
+            </a:r>
+          </a:p>
+          <a:p>
+            <a:r>
+              <a:rPr lang="en-CA" sz="3200" dirty="0"/>
+              <a:t>Initial content – 2019-12-01</a:t>
+            </a:r>
+          </a:p>
+          <a:p>
+            <a:r>
+              <a:rPr lang="en-CA" sz="3200" dirty="0"/>
+              <a:t>Ballot reconciliation deadline – 2019-12-08</a:t>
+            </a:r>
+          </a:p>
+          <a:p>
+            <a:r>
+              <a:rPr lang="en-CA" sz="3200" dirty="0"/>
+              <a:t>Final content deadline – 2019-12-22</a:t>
+            </a:r>
+          </a:p>
+          <a:p>
+            <a:r>
+              <a:rPr lang="en-CA" sz="3200" dirty="0"/>
+              <a:t>Ballot Readiness Sign-off – 2019-12-24</a:t>
+            </a:r>
           </a:p>
         </p:txBody>
       </p:sp>
@@ -11898,14 +12343,10 @@
             <a:spLocks noGrp="1"/>
           </p:cNvSpPr>
           <p:nvPr>
-            <p:ph type="sldNum" sz="quarter" idx="11"/>
+            <p:ph type="sldNum" sz="quarter" idx="4"/>
           </p:nvPr>
         </p:nvSpPr>
         <p:spPr bwMode="auto">
-          <a:xfrm>
-            <a:off x="11430000" y="6477000"/>
-            <a:ext cx="330200" cy="247650"/>
-          </a:xfrm>
           <a:prstGeom prst="rect">
             <a:avLst/>
           </a:prstGeom>
@@ -12072,13 +12513,13 @@
             <a:spLocks noGrp="1"/>
           </p:cNvSpPr>
           <p:nvPr>
-            <p:ph type="ftr" sz="quarter" idx="12"/>
+            <p:ph type="ftr" sz="quarter" idx="4294967295"/>
           </p:nvPr>
         </p:nvSpPr>
         <p:spPr>
           <a:xfrm>
-            <a:off x="1276205" y="6477000"/>
-            <a:ext cx="6496195" cy="237150"/>
+            <a:off x="0" y="6477000"/>
+            <a:ext cx="6496050" cy="236538"/>
           </a:xfrm>
           <a:prstGeom prst="rect">
             <a:avLst/>
@@ -12236,6 +12677,165 @@
 </file>
 
 <file path=ppt/slides/slide8.xml><?xml version="1.0" encoding="utf-8"?>
+<p:sld xmlns:a="http://schemas.openxmlformats.org/drawingml/2006/main" xmlns:r="http://schemas.openxmlformats.org/officeDocument/2006/relationships" xmlns:p="http://schemas.openxmlformats.org/presentationml/2006/main">
+  <p:cSld>
+    <p:spTree>
+      <p:nvGrpSpPr>
+        <p:cNvPr id="1" name=""/>
+        <p:cNvGrpSpPr/>
+        <p:nvPr/>
+      </p:nvGrpSpPr>
+      <p:grpSpPr>
+        <a:xfrm>
+          <a:off x="0" y="0"/>
+          <a:ext cx="0" cy="0"/>
+          <a:chOff x="0" y="0"/>
+          <a:chExt cx="0" cy="0"/>
+        </a:xfrm>
+      </p:grpSpPr>
+      <p:sp>
+        <p:nvSpPr>
+          <p:cNvPr id="8" name="Title 7">
+            <a:extLst>
+              <a:ext uri="{FF2B5EF4-FFF2-40B4-BE49-F238E27FC236}">
+                <a16:creationId xmlns:a16="http://schemas.microsoft.com/office/drawing/2014/main" id="{F9D43467-8665-364B-AB07-5E2F79102126}"/>
+              </a:ext>
+            </a:extLst>
+          </p:cNvPr>
+          <p:cNvSpPr>
+            <a:spLocks noGrp="1"/>
+          </p:cNvSpPr>
+          <p:nvPr>
+            <p:ph type="title"/>
+          </p:nvPr>
+        </p:nvSpPr>
+        <p:spPr/>
+        <p:txBody>
+          <a:bodyPr/>
+          <a:lstStyle/>
+          <a:p>
+            <a:r>
+              <a:rPr lang="en-US" dirty="0"/>
+              <a:t>FHIR Specific Dates</a:t>
+            </a:r>
+          </a:p>
+        </p:txBody>
+      </p:sp>
+      <p:sp>
+        <p:nvSpPr>
+          <p:cNvPr id="9" name="Content Placeholder 8">
+            <a:extLst>
+              <a:ext uri="{FF2B5EF4-FFF2-40B4-BE49-F238E27FC236}">
+                <a16:creationId xmlns:a16="http://schemas.microsoft.com/office/drawing/2014/main" id="{AC9A9DBA-35A6-C94E-8E9E-8541D22135FB}"/>
+              </a:ext>
+            </a:extLst>
+          </p:cNvPr>
+          <p:cNvSpPr>
+            <a:spLocks noGrp="1"/>
+          </p:cNvSpPr>
+          <p:nvPr>
+            <p:ph idx="1"/>
+          </p:nvPr>
+        </p:nvSpPr>
+        <p:spPr/>
+        <p:txBody>
+          <a:bodyPr>
+            <a:normAutofit lnSpcReduction="10000"/>
+          </a:bodyPr>
+          <a:lstStyle/>
+          <a:p>
+            <a:r>
+              <a:rPr lang="en-CA" sz="3200" dirty="0"/>
+              <a:t>FHIR IG Proposals Due – 2019-11-03</a:t>
+            </a:r>
+          </a:p>
+          <a:p>
+            <a:r>
+              <a:rPr lang="en-CA" sz="3200" dirty="0"/>
+              <a:t>FHIR IG substantially complete – 2019-11-17</a:t>
+            </a:r>
+          </a:p>
+          <a:p>
+            <a:r>
+              <a:rPr lang="en-CA" sz="3200" dirty="0"/>
+              <a:t>FHIR ballot core substantive freeze – 2019-11-29</a:t>
+            </a:r>
+          </a:p>
+          <a:p>
+            <a:r>
+              <a:rPr lang="en-CA" sz="3200" dirty="0"/>
+              <a:t>FHIR QA Deadline</a:t>
+            </a:r>
+          </a:p>
+          <a:p>
+            <a:r>
+              <a:rPr lang="en-CA" sz="3200" dirty="0"/>
+              <a:t>FHIR Final QA Deadline</a:t>
+            </a:r>
+          </a:p>
+          <a:p>
+            <a:r>
+              <a:rPr lang="en-CA" sz="3200" dirty="0"/>
+              <a:t>FHIR </a:t>
+            </a:r>
+            <a:r>
+              <a:rPr lang="en-CA" sz="3200" dirty="0" err="1"/>
+              <a:t>Connectathon</a:t>
+            </a:r>
+            <a:r>
+              <a:rPr lang="en-CA" sz="3200" dirty="0"/>
+              <a:t> Proposals Due – 2019-12-03</a:t>
+            </a:r>
+          </a:p>
+          <a:p>
+            <a:endParaRPr lang="en-US" dirty="0"/>
+          </a:p>
+        </p:txBody>
+      </p:sp>
+      <p:sp>
+        <p:nvSpPr>
+          <p:cNvPr id="7" name="Slide Number Placeholder 6">
+            <a:extLst>
+              <a:ext uri="{FF2B5EF4-FFF2-40B4-BE49-F238E27FC236}">
+                <a16:creationId xmlns:a16="http://schemas.microsoft.com/office/drawing/2014/main" id="{D27F778F-F072-CC4D-8D18-CE3949DAB99C}"/>
+              </a:ext>
+            </a:extLst>
+          </p:cNvPr>
+          <p:cNvSpPr>
+            <a:spLocks noGrp="1"/>
+          </p:cNvSpPr>
+          <p:nvPr>
+            <p:ph type="sldNum" sz="quarter" idx="4"/>
+          </p:nvPr>
+        </p:nvSpPr>
+        <p:spPr/>
+        <p:txBody>
+          <a:bodyPr/>
+          <a:lstStyle/>
+          <a:p>
+            <a:fld id="{5CC3E5C4-3E2B-40F1-9F2B-C46CEB0C88DF}" type="slidenum">
+              <a:rPr lang="en-CA" smtClean="0"/>
+              <a:pPr/>
+              <a:t>8</a:t>
+            </a:fld>
+            <a:endParaRPr lang="en-CA" dirty="0"/>
+          </a:p>
+        </p:txBody>
+      </p:sp>
+    </p:spTree>
+    <p:extLst>
+      <p:ext uri="{BB962C8B-B14F-4D97-AF65-F5344CB8AC3E}">
+        <p14:creationId xmlns:p14="http://schemas.microsoft.com/office/powerpoint/2010/main" val="2718122440"/>
+      </p:ext>
+    </p:extLst>
+  </p:cSld>
+  <p:clrMapOvr>
+    <a:masterClrMapping/>
+  </p:clrMapOvr>
+</p:sld>
+</file>
+
+<file path=ppt/slides/slide9.xml><?xml version="1.0" encoding="utf-8"?>
 <p:sld xmlns:a="http://schemas.openxmlformats.org/drawingml/2006/main" xmlns:r="http://schemas.openxmlformats.org/officeDocument/2006/relationships" xmlns:p="http://schemas.openxmlformats.org/presentationml/2006/main">
   <p:cSld>
     <p:spTree>
@@ -12505,7 +13105,7 @@
             <a:fld id="{DD8FDF0E-2772-4D89-9F72-F3CB15D8B8AB}" type="slidenum">
               <a:rPr lang="en-US" smtClean="0"/>
               <a:pPr/>
-              <a:t>8</a:t>
+              <a:t>9</a:t>
             </a:fld>
             <a:endParaRPr lang="en-US" dirty="0"/>
           </a:p>
@@ -12678,460 +13278,6 @@
     <p:extLst>
       <p:ext uri="{BB962C8B-B14F-4D97-AF65-F5344CB8AC3E}">
         <p14:creationId xmlns:p14="http://schemas.microsoft.com/office/powerpoint/2010/main" val="1599631046"/>
-      </p:ext>
-    </p:extLst>
-  </p:cSld>
-  <p:clrMapOvr>
-    <a:masterClrMapping/>
-  </p:clrMapOvr>
-</p:sld>
-</file>
-
-<file path=ppt/slides/slide9.xml><?xml version="1.0" encoding="utf-8"?>
-<p:sld xmlns:a="http://schemas.openxmlformats.org/drawingml/2006/main" xmlns:r="http://schemas.openxmlformats.org/officeDocument/2006/relationships" xmlns:p="http://schemas.openxmlformats.org/presentationml/2006/main">
-  <p:cSld>
-    <p:spTree>
-      <p:nvGrpSpPr>
-        <p:cNvPr id="1" name=""/>
-        <p:cNvGrpSpPr/>
-        <p:nvPr/>
-      </p:nvGrpSpPr>
-      <p:grpSpPr>
-        <a:xfrm>
-          <a:off x="0" y="0"/>
-          <a:ext cx="0" cy="0"/>
-          <a:chOff x="0" y="0"/>
-          <a:chExt cx="0" cy="0"/>
-        </a:xfrm>
-      </p:grpSpPr>
-      <p:sp>
-        <p:nvSpPr>
-          <p:cNvPr id="2" name="Title 1">
-            <a:extLst>
-              <a:ext uri="{FF2B5EF4-FFF2-40B4-BE49-F238E27FC236}">
-                <a16:creationId xmlns:a16="http://schemas.microsoft.com/office/drawing/2014/main" id="{073F83BB-949F-354A-A126-FD9342F10C01}"/>
-              </a:ext>
-            </a:extLst>
-          </p:cNvPr>
-          <p:cNvSpPr>
-            <a:spLocks noGrp="1"/>
-          </p:cNvSpPr>
-          <p:nvPr>
-            <p:ph type="title"/>
-          </p:nvPr>
-        </p:nvSpPr>
-        <p:spPr/>
-        <p:txBody>
-          <a:bodyPr/>
-          <a:lstStyle/>
-          <a:p>
-            <a:r>
-              <a:rPr lang="en-US" dirty="0"/>
-              <a:t>Project Scope Statements (PSS)</a:t>
-            </a:r>
-          </a:p>
-        </p:txBody>
-      </p:sp>
-      <p:sp>
-        <p:nvSpPr>
-          <p:cNvPr id="3" name="Content Placeholder 2">
-            <a:extLst>
-              <a:ext uri="{FF2B5EF4-FFF2-40B4-BE49-F238E27FC236}">
-                <a16:creationId xmlns:a16="http://schemas.microsoft.com/office/drawing/2014/main" id="{E06A7050-45D8-4A41-8CBE-B65C3E010A12}"/>
-              </a:ext>
-            </a:extLst>
-          </p:cNvPr>
-          <p:cNvSpPr>
-            <a:spLocks noGrp="1"/>
-          </p:cNvSpPr>
-          <p:nvPr>
-            <p:ph idx="1"/>
-          </p:nvPr>
-        </p:nvSpPr>
-        <p:spPr/>
-        <p:txBody>
-          <a:bodyPr/>
-          <a:lstStyle/>
-          <a:p>
-            <a:r>
-              <a:rPr lang="en-US" dirty="0"/>
-              <a:t>Project Scope Statements</a:t>
-            </a:r>
-          </a:p>
-          <a:p>
-            <a:pPr lvl="1"/>
-            <a:r>
-              <a:rPr lang="en-US" dirty="0"/>
-              <a:t>Mechanism to communicate the activity being undertaken</a:t>
-            </a:r>
-          </a:p>
-          <a:p>
-            <a:pPr lvl="1"/>
-            <a:r>
-              <a:rPr lang="en-US" dirty="0"/>
-              <a:t>Must provide sufficient information to allow inexperienced individuals to anticipate what a WG is working on and decide if they wish to become involved</a:t>
-            </a:r>
-          </a:p>
-          <a:p>
-            <a:pPr lvl="1"/>
-            <a:r>
-              <a:rPr lang="en-US" dirty="0"/>
-              <a:t>Also the mechanisms for WGs to manage the work</a:t>
-            </a:r>
-          </a:p>
-          <a:p>
-            <a:pPr lvl="1"/>
-            <a:r>
-              <a:rPr lang="en-CA" dirty="0">
-                <a:hlinkClick r:id="rId2"/>
-              </a:rPr>
-              <a:t>https://confluence.hl7.org/display/HL7/A+-+Project+Scope+Statement</a:t>
-            </a:r>
-            <a:endParaRPr lang="en-US" dirty="0"/>
-          </a:p>
-        </p:txBody>
-      </p:sp>
-      <p:sp>
-        <p:nvSpPr>
-          <p:cNvPr id="4" name="Slide Number Placeholder 3">
-            <a:extLst>
-              <a:ext uri="{FF2B5EF4-FFF2-40B4-BE49-F238E27FC236}">
-                <a16:creationId xmlns:a16="http://schemas.microsoft.com/office/drawing/2014/main" id="{2CF1DDAC-E446-1C4B-9D29-CA6B885D8C25}"/>
-              </a:ext>
-            </a:extLst>
-          </p:cNvPr>
-          <p:cNvSpPr>
-            <a:spLocks noGrp="1"/>
-          </p:cNvSpPr>
-          <p:nvPr>
-            <p:ph type="sldNum" sz="quarter" idx="11"/>
-          </p:nvPr>
-        </p:nvSpPr>
-        <p:spPr bwMode="auto">
-          <a:xfrm>
-            <a:off x="11430000" y="6477000"/>
-            <a:ext cx="330200" cy="247650"/>
-          </a:xfrm>
-          <a:prstGeom prst="rect">
-            <a:avLst/>
-          </a:prstGeom>
-          <a:noFill/>
-          <a:ln w="9525">
-            <a:noFill/>
-            <a:miter lim="800000"/>
-            <a:headEnd/>
-            <a:tailEnd/>
-          </a:ln>
-          <a:effectLst/>
-        </p:spPr>
-        <p:txBody>
-          <a:bodyPr vert="horz" wrap="square" lIns="91440" tIns="45720" rIns="91440" bIns="45720" numCol="1" anchor="b" anchorCtr="0" compatLnSpc="1">
-            <a:prstTxWarp prst="textNoShape">
-              <a:avLst/>
-            </a:prstTxWarp>
-          </a:bodyPr>
-          <a:lstStyle>
-            <a:defPPr>
-              <a:defRPr lang="en-US"/>
-            </a:defPPr>
-            <a:lvl1pPr algn="ctr" rtl="0" eaLnBrk="1" fontAlgn="base" hangingPunct="1">
-              <a:spcBef>
-                <a:spcPct val="0"/>
-              </a:spcBef>
-              <a:spcAft>
-                <a:spcPct val="0"/>
-              </a:spcAft>
-              <a:defRPr sz="800" kern="1200">
-                <a:solidFill>
-                  <a:schemeClr val="tx1"/>
-                </a:solidFill>
-                <a:latin typeface="Arial" charset="0"/>
-                <a:ea typeface="+mn-ea"/>
-                <a:cs typeface="+mn-cs"/>
-              </a:defRPr>
-            </a:lvl1pPr>
-            <a:lvl2pPr marL="457200" algn="l" rtl="0" eaLnBrk="0" fontAlgn="base" hangingPunct="0">
-              <a:spcBef>
-                <a:spcPct val="0"/>
-              </a:spcBef>
-              <a:spcAft>
-                <a:spcPct val="0"/>
-              </a:spcAft>
-              <a:defRPr kern="1200">
-                <a:solidFill>
-                  <a:schemeClr val="tx1"/>
-                </a:solidFill>
-                <a:latin typeface="Arial" charset="0"/>
-                <a:ea typeface="+mn-ea"/>
-                <a:cs typeface="+mn-cs"/>
-              </a:defRPr>
-            </a:lvl2pPr>
-            <a:lvl3pPr marL="914400" algn="l" rtl="0" eaLnBrk="0" fontAlgn="base" hangingPunct="0">
-              <a:spcBef>
-                <a:spcPct val="0"/>
-              </a:spcBef>
-              <a:spcAft>
-                <a:spcPct val="0"/>
-              </a:spcAft>
-              <a:defRPr kern="1200">
-                <a:solidFill>
-                  <a:schemeClr val="tx1"/>
-                </a:solidFill>
-                <a:latin typeface="Arial" charset="0"/>
-                <a:ea typeface="+mn-ea"/>
-                <a:cs typeface="+mn-cs"/>
-              </a:defRPr>
-            </a:lvl3pPr>
-            <a:lvl4pPr marL="1371600" algn="l" rtl="0" eaLnBrk="0" fontAlgn="base" hangingPunct="0">
-              <a:spcBef>
-                <a:spcPct val="0"/>
-              </a:spcBef>
-              <a:spcAft>
-                <a:spcPct val="0"/>
-              </a:spcAft>
-              <a:defRPr kern="1200">
-                <a:solidFill>
-                  <a:schemeClr val="tx1"/>
-                </a:solidFill>
-                <a:latin typeface="Arial" charset="0"/>
-                <a:ea typeface="+mn-ea"/>
-                <a:cs typeface="+mn-cs"/>
-              </a:defRPr>
-            </a:lvl4pPr>
-            <a:lvl5pPr marL="1828800" algn="l" rtl="0" eaLnBrk="0" fontAlgn="base" hangingPunct="0">
-              <a:spcBef>
-                <a:spcPct val="0"/>
-              </a:spcBef>
-              <a:spcAft>
-                <a:spcPct val="0"/>
-              </a:spcAft>
-              <a:defRPr kern="1200">
-                <a:solidFill>
-                  <a:schemeClr val="tx1"/>
-                </a:solidFill>
-                <a:latin typeface="Arial" charset="0"/>
-                <a:ea typeface="+mn-ea"/>
-                <a:cs typeface="+mn-cs"/>
-              </a:defRPr>
-            </a:lvl5pPr>
-            <a:lvl6pPr marL="2286000" algn="l" defTabSz="914400" rtl="0" eaLnBrk="1" latinLnBrk="0" hangingPunct="1">
-              <a:defRPr kern="1200">
-                <a:solidFill>
-                  <a:schemeClr val="tx1"/>
-                </a:solidFill>
-                <a:latin typeface="Arial" charset="0"/>
-                <a:ea typeface="+mn-ea"/>
-                <a:cs typeface="+mn-cs"/>
-              </a:defRPr>
-            </a:lvl6pPr>
-            <a:lvl7pPr marL="2743200" algn="l" defTabSz="914400" rtl="0" eaLnBrk="1" latinLnBrk="0" hangingPunct="1">
-              <a:defRPr kern="1200">
-                <a:solidFill>
-                  <a:schemeClr val="tx1"/>
-                </a:solidFill>
-                <a:latin typeface="Arial" charset="0"/>
-                <a:ea typeface="+mn-ea"/>
-                <a:cs typeface="+mn-cs"/>
-              </a:defRPr>
-            </a:lvl7pPr>
-            <a:lvl8pPr marL="3200400" algn="l" defTabSz="914400" rtl="0" eaLnBrk="1" latinLnBrk="0" hangingPunct="1">
-              <a:defRPr kern="1200">
-                <a:solidFill>
-                  <a:schemeClr val="tx1"/>
-                </a:solidFill>
-                <a:latin typeface="Arial" charset="0"/>
-                <a:ea typeface="+mn-ea"/>
-                <a:cs typeface="+mn-cs"/>
-              </a:defRPr>
-            </a:lvl8pPr>
-            <a:lvl9pPr marL="3657600" algn="l" defTabSz="914400" rtl="0" eaLnBrk="1" latinLnBrk="0" hangingPunct="1">
-              <a:defRPr kern="1200">
-                <a:solidFill>
-                  <a:schemeClr val="tx1"/>
-                </a:solidFill>
-                <a:latin typeface="Arial" charset="0"/>
-                <a:ea typeface="+mn-ea"/>
-                <a:cs typeface="+mn-cs"/>
-              </a:defRPr>
-            </a:lvl9pPr>
-          </a:lstStyle>
-          <a:p>
-            <a:fld id="{DD8FDF0E-2772-4D89-9F72-F3CB15D8B8AB}" type="slidenum">
-              <a:rPr lang="en-US" smtClean="0"/>
-              <a:pPr/>
-              <a:t>9</a:t>
-            </a:fld>
-            <a:endParaRPr lang="en-US" dirty="0"/>
-          </a:p>
-        </p:txBody>
-      </p:sp>
-      <p:sp>
-        <p:nvSpPr>
-          <p:cNvPr id="5" name="Footer Placeholder 4">
-            <a:extLst>
-              <a:ext uri="{FF2B5EF4-FFF2-40B4-BE49-F238E27FC236}">
-                <a16:creationId xmlns:a16="http://schemas.microsoft.com/office/drawing/2014/main" id="{39CA4D53-8BB5-9541-9F49-3F8F0AA55077}"/>
-              </a:ext>
-            </a:extLst>
-          </p:cNvPr>
-          <p:cNvSpPr>
-            <a:spLocks noGrp="1"/>
-          </p:cNvSpPr>
-          <p:nvPr>
-            <p:ph type="ftr" sz="quarter" idx="3"/>
-          </p:nvPr>
-        </p:nvSpPr>
-        <p:spPr>
-          <a:xfrm>
-            <a:off x="1276205" y="6477000"/>
-            <a:ext cx="6496195" cy="237150"/>
-          </a:xfrm>
-          <a:prstGeom prst="rect">
-            <a:avLst/>
-          </a:prstGeom>
-        </p:spPr>
-        <p:txBody>
-          <a:bodyPr anchor="b">
-            <a:noAutofit/>
-          </a:bodyPr>
-          <a:lstStyle>
-            <a:defPPr>
-              <a:defRPr lang="en-US"/>
-            </a:defPPr>
-            <a:lvl1pPr algn="l" rtl="0" eaLnBrk="0" fontAlgn="base" hangingPunct="0">
-              <a:spcBef>
-                <a:spcPct val="0"/>
-              </a:spcBef>
-              <a:spcAft>
-                <a:spcPct val="0"/>
-              </a:spcAft>
-              <a:defRPr sz="700" kern="1200">
-                <a:solidFill>
-                  <a:srgbClr val="747679"/>
-                </a:solidFill>
-                <a:latin typeface="Arial" charset="0"/>
-                <a:ea typeface="+mn-ea"/>
-                <a:cs typeface="+mn-cs"/>
-              </a:defRPr>
-            </a:lvl1pPr>
-            <a:lvl2pPr marL="457200" algn="l" rtl="0" eaLnBrk="0" fontAlgn="base" hangingPunct="0">
-              <a:spcBef>
-                <a:spcPct val="0"/>
-              </a:spcBef>
-              <a:spcAft>
-                <a:spcPct val="0"/>
-              </a:spcAft>
-              <a:defRPr kern="1200">
-                <a:solidFill>
-                  <a:schemeClr val="tx1"/>
-                </a:solidFill>
-                <a:latin typeface="Arial" charset="0"/>
-                <a:ea typeface="+mn-ea"/>
-                <a:cs typeface="+mn-cs"/>
-              </a:defRPr>
-            </a:lvl2pPr>
-            <a:lvl3pPr marL="914400" algn="l" rtl="0" eaLnBrk="0" fontAlgn="base" hangingPunct="0">
-              <a:spcBef>
-                <a:spcPct val="0"/>
-              </a:spcBef>
-              <a:spcAft>
-                <a:spcPct val="0"/>
-              </a:spcAft>
-              <a:defRPr kern="1200">
-                <a:solidFill>
-                  <a:schemeClr val="tx1"/>
-                </a:solidFill>
-                <a:latin typeface="Arial" charset="0"/>
-                <a:ea typeface="+mn-ea"/>
-                <a:cs typeface="+mn-cs"/>
-              </a:defRPr>
-            </a:lvl3pPr>
-            <a:lvl4pPr marL="1371600" algn="l" rtl="0" eaLnBrk="0" fontAlgn="base" hangingPunct="0">
-              <a:spcBef>
-                <a:spcPct val="0"/>
-              </a:spcBef>
-              <a:spcAft>
-                <a:spcPct val="0"/>
-              </a:spcAft>
-              <a:defRPr kern="1200">
-                <a:solidFill>
-                  <a:schemeClr val="tx1"/>
-                </a:solidFill>
-                <a:latin typeface="Arial" charset="0"/>
-                <a:ea typeface="+mn-ea"/>
-                <a:cs typeface="+mn-cs"/>
-              </a:defRPr>
-            </a:lvl4pPr>
-            <a:lvl5pPr marL="1828800" algn="l" rtl="0" eaLnBrk="0" fontAlgn="base" hangingPunct="0">
-              <a:spcBef>
-                <a:spcPct val="0"/>
-              </a:spcBef>
-              <a:spcAft>
-                <a:spcPct val="0"/>
-              </a:spcAft>
-              <a:defRPr kern="1200">
-                <a:solidFill>
-                  <a:schemeClr val="tx1"/>
-                </a:solidFill>
-                <a:latin typeface="Arial" charset="0"/>
-                <a:ea typeface="+mn-ea"/>
-                <a:cs typeface="+mn-cs"/>
-              </a:defRPr>
-            </a:lvl5pPr>
-            <a:lvl6pPr marL="2286000" algn="l" defTabSz="914400" rtl="0" eaLnBrk="1" latinLnBrk="0" hangingPunct="1">
-              <a:defRPr kern="1200">
-                <a:solidFill>
-                  <a:schemeClr val="tx1"/>
-                </a:solidFill>
-                <a:latin typeface="Arial" charset="0"/>
-                <a:ea typeface="+mn-ea"/>
-                <a:cs typeface="+mn-cs"/>
-              </a:defRPr>
-            </a:lvl6pPr>
-            <a:lvl7pPr marL="2743200" algn="l" defTabSz="914400" rtl="0" eaLnBrk="1" latinLnBrk="0" hangingPunct="1">
-              <a:defRPr kern="1200">
-                <a:solidFill>
-                  <a:schemeClr val="tx1"/>
-                </a:solidFill>
-                <a:latin typeface="Arial" charset="0"/>
-                <a:ea typeface="+mn-ea"/>
-                <a:cs typeface="+mn-cs"/>
-              </a:defRPr>
-            </a:lvl7pPr>
-            <a:lvl8pPr marL="3200400" algn="l" defTabSz="914400" rtl="0" eaLnBrk="1" latinLnBrk="0" hangingPunct="1">
-              <a:defRPr kern="1200">
-                <a:solidFill>
-                  <a:schemeClr val="tx1"/>
-                </a:solidFill>
-                <a:latin typeface="Arial" charset="0"/>
-                <a:ea typeface="+mn-ea"/>
-                <a:cs typeface="+mn-cs"/>
-              </a:defRPr>
-            </a:lvl8pPr>
-            <a:lvl9pPr marL="3657600" algn="l" defTabSz="914400" rtl="0" eaLnBrk="1" latinLnBrk="0" hangingPunct="1">
-              <a:defRPr kern="1200">
-                <a:solidFill>
-                  <a:schemeClr val="tx1"/>
-                </a:solidFill>
-                <a:latin typeface="Arial" charset="0"/>
-                <a:ea typeface="+mn-ea"/>
-                <a:cs typeface="+mn-cs"/>
-              </a:defRPr>
-            </a:lvl9pPr>
-          </a:lstStyle>
-          <a:p>
-            <a:r>
-              <a:rPr lang="en-US" kern="0"/>
-              <a:t>® Health Level Seven and HL7 are registered trademarks of Health Level Seven International, registered with the United States Patent and Trademark Office.</a:t>
-            </a:r>
-            <a:endParaRPr lang="en-US" kern="0" dirty="0"/>
-          </a:p>
-        </p:txBody>
-      </p:sp>
-    </p:spTree>
-    <p:extLst>
-      <p:ext uri="{BB962C8B-B14F-4D97-AF65-F5344CB8AC3E}">
-        <p14:creationId xmlns:p14="http://schemas.microsoft.com/office/powerpoint/2010/main" val="4279541219"/>
       </p:ext>
     </p:extLst>
   </p:cSld>
